--- a/algorithm/electricity/03_denki-koujishi/01_kakomon/R1_1/02_jitsugi/q08/a08.pptx
+++ b/algorithm/electricity/03_denki-koujishi/01_kakomon/R1_1/02_jitsugi/q08/a08.pptx
@@ -10,8 +10,9 @@
     <p:sldId id="325" r:id="rId4"/>
     <p:sldId id="326" r:id="rId5"/>
     <p:sldId id="327" r:id="rId6"/>
-    <p:sldId id="321" r:id="rId7"/>
-    <p:sldId id="320" r:id="rId8"/>
+    <p:sldId id="328" r:id="rId7"/>
+    <p:sldId id="321" r:id="rId8"/>
+    <p:sldId id="320" r:id="rId9"/>
   </p:sldIdLst>
   <p:sldSz cx="12192000" cy="6858000"/>
   <p:notesSz cx="6858000" cy="9144000"/>
@@ -265,7 +266,7 @@
           <a:p>
             <a:fld id="{EA6D781E-2D27-4EF7-AFED-D0940E0D7738}" type="datetimeFigureOut">
               <a:rPr kumimoji="1" lang="ja-JP" altLang="en-US" smtClean="0"/>
-              <a:t>2020/11/22</a:t>
+              <a:t>2020/11/23</a:t>
             </a:fld>
             <a:endParaRPr kumimoji="1" lang="ja-JP" altLang="en-US"/>
           </a:p>
@@ -495,7 +496,7 @@
           <a:p>
             <a:fld id="{EA6D781E-2D27-4EF7-AFED-D0940E0D7738}" type="datetimeFigureOut">
               <a:rPr kumimoji="1" lang="ja-JP" altLang="en-US" smtClean="0"/>
-              <a:t>2020/11/22</a:t>
+              <a:t>2020/11/23</a:t>
             </a:fld>
             <a:endParaRPr kumimoji="1" lang="ja-JP" altLang="en-US"/>
           </a:p>
@@ -735,7 +736,7 @@
           <a:p>
             <a:fld id="{EA6D781E-2D27-4EF7-AFED-D0940E0D7738}" type="datetimeFigureOut">
               <a:rPr kumimoji="1" lang="ja-JP" altLang="en-US" smtClean="0"/>
-              <a:t>2020/11/22</a:t>
+              <a:t>2020/11/23</a:t>
             </a:fld>
             <a:endParaRPr kumimoji="1" lang="ja-JP" altLang="en-US"/>
           </a:p>
@@ -965,7 +966,7 @@
           <a:p>
             <a:fld id="{EA6D781E-2D27-4EF7-AFED-D0940E0D7738}" type="datetimeFigureOut">
               <a:rPr kumimoji="1" lang="ja-JP" altLang="en-US" smtClean="0"/>
-              <a:t>2020/11/22</a:t>
+              <a:t>2020/11/23</a:t>
             </a:fld>
             <a:endParaRPr kumimoji="1" lang="ja-JP" altLang="en-US"/>
           </a:p>
@@ -1240,7 +1241,7 @@
           <a:p>
             <a:fld id="{EA6D781E-2D27-4EF7-AFED-D0940E0D7738}" type="datetimeFigureOut">
               <a:rPr kumimoji="1" lang="ja-JP" altLang="en-US" smtClean="0"/>
-              <a:t>2020/11/22</a:t>
+              <a:t>2020/11/23</a:t>
             </a:fld>
             <a:endParaRPr kumimoji="1" lang="ja-JP" altLang="en-US"/>
           </a:p>
@@ -1569,7 +1570,7 @@
           <a:p>
             <a:fld id="{EA6D781E-2D27-4EF7-AFED-D0940E0D7738}" type="datetimeFigureOut">
               <a:rPr kumimoji="1" lang="ja-JP" altLang="en-US" smtClean="0"/>
-              <a:t>2020/11/22</a:t>
+              <a:t>2020/11/23</a:t>
             </a:fld>
             <a:endParaRPr kumimoji="1" lang="ja-JP" altLang="en-US"/>
           </a:p>
@@ -2045,7 +2046,7 @@
           <a:p>
             <a:fld id="{EA6D781E-2D27-4EF7-AFED-D0940E0D7738}" type="datetimeFigureOut">
               <a:rPr kumimoji="1" lang="ja-JP" altLang="en-US" smtClean="0"/>
-              <a:t>2020/11/22</a:t>
+              <a:t>2020/11/23</a:t>
             </a:fld>
             <a:endParaRPr kumimoji="1" lang="ja-JP" altLang="en-US"/>
           </a:p>
@@ -2186,7 +2187,7 @@
           <a:p>
             <a:fld id="{EA6D781E-2D27-4EF7-AFED-D0940E0D7738}" type="datetimeFigureOut">
               <a:rPr kumimoji="1" lang="ja-JP" altLang="en-US" smtClean="0"/>
-              <a:t>2020/11/22</a:t>
+              <a:t>2020/11/23</a:t>
             </a:fld>
             <a:endParaRPr kumimoji="1" lang="ja-JP" altLang="en-US"/>
           </a:p>
@@ -2299,7 +2300,7 @@
           <a:p>
             <a:fld id="{EA6D781E-2D27-4EF7-AFED-D0940E0D7738}" type="datetimeFigureOut">
               <a:rPr kumimoji="1" lang="ja-JP" altLang="en-US" smtClean="0"/>
-              <a:t>2020/11/22</a:t>
+              <a:t>2020/11/23</a:t>
             </a:fld>
             <a:endParaRPr kumimoji="1" lang="ja-JP" altLang="en-US"/>
           </a:p>
@@ -2642,7 +2643,7 @@
           <a:p>
             <a:fld id="{EA6D781E-2D27-4EF7-AFED-D0940E0D7738}" type="datetimeFigureOut">
               <a:rPr kumimoji="1" lang="ja-JP" altLang="en-US" smtClean="0"/>
-              <a:t>2020/11/22</a:t>
+              <a:t>2020/11/23</a:t>
             </a:fld>
             <a:endParaRPr kumimoji="1" lang="ja-JP" altLang="en-US"/>
           </a:p>
@@ -2930,7 +2931,7 @@
           <a:p>
             <a:fld id="{EA6D781E-2D27-4EF7-AFED-D0940E0D7738}" type="datetimeFigureOut">
               <a:rPr kumimoji="1" lang="ja-JP" altLang="en-US" smtClean="0"/>
-              <a:t>2020/11/22</a:t>
+              <a:t>2020/11/23</a:t>
             </a:fld>
             <a:endParaRPr kumimoji="1" lang="ja-JP" altLang="en-US"/>
           </a:p>
@@ -3203,7 +3204,7 @@
           <a:p>
             <a:fld id="{EA6D781E-2D27-4EF7-AFED-D0940E0D7738}" type="datetimeFigureOut">
               <a:rPr kumimoji="1" lang="ja-JP" altLang="en-US" smtClean="0"/>
-              <a:t>2020/11/22</a:t>
+              <a:t>2020/11/23</a:t>
             </a:fld>
             <a:endParaRPr kumimoji="1" lang="ja-JP" altLang="en-US"/>
           </a:p>
@@ -13983,6 +13984,3941 @@
         </p:nvSpPr>
         <p:spPr>
           <a:xfrm>
+            <a:off x="7486820" y="165819"/>
+            <a:ext cx="786798" cy="818707"/>
+          </a:xfrm>
+          <a:prstGeom prst="ellipse">
+            <a:avLst/>
+          </a:prstGeom>
+          <a:solidFill>
+            <a:schemeClr val="bg1"/>
+          </a:solidFill>
+          <a:ln w="38100">
+            <a:solidFill>
+              <a:schemeClr val="bg2">
+                <a:lumMod val="10000"/>
+              </a:schemeClr>
+            </a:solidFill>
+          </a:ln>
+        </p:spPr>
+        <p:style>
+          <a:lnRef idx="2">
+            <a:schemeClr val="accent1">
+              <a:shade val="50000"/>
+            </a:schemeClr>
+          </a:lnRef>
+          <a:fillRef idx="1">
+            <a:schemeClr val="accent1"/>
+          </a:fillRef>
+          <a:effectRef idx="0">
+            <a:schemeClr val="accent1"/>
+          </a:effectRef>
+          <a:fontRef idx="minor">
+            <a:schemeClr val="lt1"/>
+          </a:fontRef>
+        </p:style>
+        <p:txBody>
+          <a:bodyPr rtlCol="0" anchor="ctr"/>
+          <a:lstStyle/>
+          <a:p>
+            <a:pPr algn="ctr"/>
+            <a:r>
+              <a:rPr kumimoji="1" lang="en-US" altLang="ja-JP" sz="2400" dirty="0">
+                <a:solidFill>
+                  <a:schemeClr val="tx1"/>
+                </a:solidFill>
+                <a:latin typeface="+mn-ea"/>
+              </a:rPr>
+              <a:t>( )</a:t>
+            </a:r>
+            <a:endParaRPr kumimoji="1" lang="ja-JP" altLang="en-US" sz="2400" dirty="0">
+              <a:solidFill>
+                <a:schemeClr val="tx1"/>
+              </a:solidFill>
+              <a:latin typeface="+mn-ea"/>
+            </a:endParaRPr>
+          </a:p>
+        </p:txBody>
+      </p:sp>
+      <p:sp>
+        <p:nvSpPr>
+          <p:cNvPr id="57" name="楕円 56">
+            <a:extLst>
+              <a:ext uri="{FF2B5EF4-FFF2-40B4-BE49-F238E27FC236}">
+                <a16:creationId xmlns:a16="http://schemas.microsoft.com/office/drawing/2014/main" id="{F4F8F858-C738-46FB-9F0D-CEC6F20372E8}"/>
+              </a:ext>
+            </a:extLst>
+          </p:cNvPr>
+          <p:cNvSpPr/>
+          <p:nvPr/>
+        </p:nvSpPr>
+        <p:spPr>
+          <a:xfrm flipV="1">
+            <a:off x="1154496" y="5364812"/>
+            <a:ext cx="176092" cy="182966"/>
+          </a:xfrm>
+          <a:prstGeom prst="ellipse">
+            <a:avLst/>
+          </a:prstGeom>
+          <a:noFill/>
+          <a:ln w="28575">
+            <a:solidFill>
+              <a:schemeClr val="tx1"/>
+            </a:solidFill>
+          </a:ln>
+        </p:spPr>
+        <p:style>
+          <a:lnRef idx="2">
+            <a:schemeClr val="accent1">
+              <a:shade val="50000"/>
+            </a:schemeClr>
+          </a:lnRef>
+          <a:fillRef idx="1">
+            <a:schemeClr val="accent1"/>
+          </a:fillRef>
+          <a:effectRef idx="0">
+            <a:schemeClr val="accent1"/>
+          </a:effectRef>
+          <a:fontRef idx="minor">
+            <a:schemeClr val="lt1"/>
+          </a:fontRef>
+        </p:style>
+        <p:txBody>
+          <a:bodyPr rtlCol="0" anchor="ctr"/>
+          <a:lstStyle/>
+          <a:p>
+            <a:pPr algn="ctr"/>
+            <a:endParaRPr kumimoji="1" lang="ja-JP" altLang="en-US"/>
+          </a:p>
+        </p:txBody>
+      </p:sp>
+      <p:sp>
+        <p:nvSpPr>
+          <p:cNvPr id="59" name="テキスト ボックス 58">
+            <a:extLst>
+              <a:ext uri="{FF2B5EF4-FFF2-40B4-BE49-F238E27FC236}">
+                <a16:creationId xmlns:a16="http://schemas.microsoft.com/office/drawing/2014/main" id="{B6D073DF-5CFE-4F76-875A-22183B3B15AC}"/>
+              </a:ext>
+            </a:extLst>
+          </p:cNvPr>
+          <p:cNvSpPr txBox="1"/>
+          <p:nvPr/>
+        </p:nvSpPr>
+        <p:spPr>
+          <a:xfrm>
+            <a:off x="442621" y="1057369"/>
+            <a:ext cx="442750" cy="461665"/>
+          </a:xfrm>
+          <a:prstGeom prst="rect">
+            <a:avLst/>
+          </a:prstGeom>
+          <a:noFill/>
+        </p:spPr>
+        <p:txBody>
+          <a:bodyPr wrap="none" rtlCol="0">
+            <a:spAutoFit/>
+          </a:bodyPr>
+          <a:lstStyle/>
+          <a:p>
+            <a:r>
+              <a:rPr lang="en-US" altLang="ja-JP" sz="2400" b="1" dirty="0">
+                <a:latin typeface="Georgia" panose="02040502050405020303" pitchFamily="18" charset="0"/>
+              </a:rPr>
+              <a:t>N</a:t>
+            </a:r>
+            <a:endParaRPr kumimoji="1" lang="ja-JP" altLang="en-US" sz="2400" b="1" dirty="0">
+              <a:latin typeface="Georgia" panose="02040502050405020303" pitchFamily="18" charset="0"/>
+            </a:endParaRPr>
+          </a:p>
+        </p:txBody>
+      </p:sp>
+      <p:sp>
+        <p:nvSpPr>
+          <p:cNvPr id="62" name="テキスト ボックス 61">
+            <a:extLst>
+              <a:ext uri="{FF2B5EF4-FFF2-40B4-BE49-F238E27FC236}">
+                <a16:creationId xmlns:a16="http://schemas.microsoft.com/office/drawing/2014/main" id="{C597223E-4A96-43CD-B173-B1519D614EF1}"/>
+              </a:ext>
+            </a:extLst>
+          </p:cNvPr>
+          <p:cNvSpPr txBox="1"/>
+          <p:nvPr/>
+        </p:nvSpPr>
+        <p:spPr>
+          <a:xfrm>
+            <a:off x="442621" y="1678084"/>
+            <a:ext cx="396262" cy="461665"/>
+          </a:xfrm>
+          <a:prstGeom prst="rect">
+            <a:avLst/>
+          </a:prstGeom>
+          <a:noFill/>
+        </p:spPr>
+        <p:txBody>
+          <a:bodyPr wrap="none" rtlCol="0">
+            <a:spAutoFit/>
+          </a:bodyPr>
+          <a:lstStyle/>
+          <a:p>
+            <a:r>
+              <a:rPr lang="en-US" altLang="ja-JP" sz="2400" b="1" dirty="0">
+                <a:latin typeface="Georgia" panose="02040502050405020303" pitchFamily="18" charset="0"/>
+              </a:rPr>
+              <a:t>L</a:t>
+            </a:r>
+            <a:endParaRPr kumimoji="1" lang="ja-JP" altLang="en-US" sz="2400" b="1" dirty="0">
+              <a:latin typeface="Georgia" panose="02040502050405020303" pitchFamily="18" charset="0"/>
+            </a:endParaRPr>
+          </a:p>
+        </p:txBody>
+      </p:sp>
+      <p:sp>
+        <p:nvSpPr>
+          <p:cNvPr id="33" name="楕円 32">
+            <a:extLst>
+              <a:ext uri="{FF2B5EF4-FFF2-40B4-BE49-F238E27FC236}">
+                <a16:creationId xmlns:a16="http://schemas.microsoft.com/office/drawing/2014/main" id="{A57367C7-59F6-4678-B4BE-DEBB72E03F5D}"/>
+              </a:ext>
+            </a:extLst>
+          </p:cNvPr>
+          <p:cNvSpPr/>
+          <p:nvPr/>
+        </p:nvSpPr>
+        <p:spPr>
+          <a:xfrm>
+            <a:off x="7520777" y="2836785"/>
+            <a:ext cx="786798" cy="751837"/>
+          </a:xfrm>
+          <a:prstGeom prst="ellipse">
+            <a:avLst/>
+          </a:prstGeom>
+          <a:solidFill>
+            <a:schemeClr val="bg1"/>
+          </a:solidFill>
+          <a:ln w="38100">
+            <a:solidFill>
+              <a:schemeClr val="bg2">
+                <a:lumMod val="10000"/>
+              </a:schemeClr>
+            </a:solidFill>
+          </a:ln>
+        </p:spPr>
+        <p:style>
+          <a:lnRef idx="2">
+            <a:schemeClr val="accent1">
+              <a:shade val="50000"/>
+            </a:schemeClr>
+          </a:lnRef>
+          <a:fillRef idx="1">
+            <a:schemeClr val="accent1"/>
+          </a:fillRef>
+          <a:effectRef idx="0">
+            <a:schemeClr val="accent1"/>
+          </a:effectRef>
+          <a:fontRef idx="minor">
+            <a:schemeClr val="lt1"/>
+          </a:fontRef>
+        </p:style>
+        <p:txBody>
+          <a:bodyPr rtlCol="0" anchor="ctr"/>
+          <a:lstStyle/>
+          <a:p>
+            <a:pPr algn="ctr"/>
+            <a:r>
+              <a:rPr kumimoji="1" lang="en-US" altLang="ja-JP" sz="3600" dirty="0">
+                <a:solidFill>
+                  <a:schemeClr val="tx1"/>
+                </a:solidFill>
+                <a:latin typeface="+mn-ea"/>
+              </a:rPr>
+              <a:t>R</a:t>
+            </a:r>
+            <a:endParaRPr kumimoji="1" lang="ja-JP" altLang="en-US" sz="3600" dirty="0">
+              <a:solidFill>
+                <a:schemeClr val="tx1"/>
+              </a:solidFill>
+              <a:latin typeface="+mn-ea"/>
+            </a:endParaRPr>
+          </a:p>
+        </p:txBody>
+      </p:sp>
+      <p:sp>
+        <p:nvSpPr>
+          <p:cNvPr id="75" name="テキスト ボックス 74">
+            <a:extLst>
+              <a:ext uri="{FF2B5EF4-FFF2-40B4-BE49-F238E27FC236}">
+                <a16:creationId xmlns:a16="http://schemas.microsoft.com/office/drawing/2014/main" id="{382C0E3C-7C15-48EA-889E-0CA52E05B8BC}"/>
+              </a:ext>
+            </a:extLst>
+          </p:cNvPr>
+          <p:cNvSpPr txBox="1"/>
+          <p:nvPr/>
+        </p:nvSpPr>
+        <p:spPr>
+          <a:xfrm>
+            <a:off x="8383143" y="2992994"/>
+            <a:ext cx="570990" cy="461665"/>
+          </a:xfrm>
+          <a:prstGeom prst="rect">
+            <a:avLst/>
+          </a:prstGeom>
+          <a:noFill/>
+        </p:spPr>
+        <p:txBody>
+          <a:bodyPr wrap="none" rtlCol="0">
+            <a:spAutoFit/>
+          </a:bodyPr>
+          <a:lstStyle/>
+          <a:p>
+            <a:r>
+              <a:rPr kumimoji="1" lang="ja-JP" altLang="en-US" sz="2400" b="1" dirty="0">
+                <a:latin typeface="Georgia" panose="02040502050405020303" pitchFamily="18" charset="0"/>
+              </a:rPr>
+              <a:t>ロ </a:t>
+            </a:r>
+          </a:p>
+        </p:txBody>
+      </p:sp>
+      <p:sp>
+        <p:nvSpPr>
+          <p:cNvPr id="76" name="テキスト ボックス 75">
+            <a:extLst>
+              <a:ext uri="{FF2B5EF4-FFF2-40B4-BE49-F238E27FC236}">
+                <a16:creationId xmlns:a16="http://schemas.microsoft.com/office/drawing/2014/main" id="{BDE9EEA3-7B6F-45B8-AF6A-D5E642D0E619}"/>
+              </a:ext>
+            </a:extLst>
+          </p:cNvPr>
+          <p:cNvSpPr txBox="1"/>
+          <p:nvPr/>
+        </p:nvSpPr>
+        <p:spPr>
+          <a:xfrm>
+            <a:off x="8307575" y="280186"/>
+            <a:ext cx="570990" cy="461665"/>
+          </a:xfrm>
+          <a:prstGeom prst="rect">
+            <a:avLst/>
+          </a:prstGeom>
+          <a:noFill/>
+        </p:spPr>
+        <p:txBody>
+          <a:bodyPr wrap="none" rtlCol="0">
+            <a:spAutoFit/>
+          </a:bodyPr>
+          <a:lstStyle/>
+          <a:p>
+            <a:r>
+              <a:rPr kumimoji="1" lang="ja-JP" altLang="en-US" sz="2400" b="1" dirty="0">
+                <a:latin typeface="Georgia" panose="02040502050405020303" pitchFamily="18" charset="0"/>
+              </a:rPr>
+              <a:t>イ </a:t>
+            </a:r>
+          </a:p>
+        </p:txBody>
+      </p:sp>
+      <p:sp>
+        <p:nvSpPr>
+          <p:cNvPr id="37" name="正方形/長方形 36">
+            <a:extLst>
+              <a:ext uri="{FF2B5EF4-FFF2-40B4-BE49-F238E27FC236}">
+                <a16:creationId xmlns:a16="http://schemas.microsoft.com/office/drawing/2014/main" id="{3B1D18A8-ADE8-4666-AC22-1A9A0F21A721}"/>
+              </a:ext>
+            </a:extLst>
+          </p:cNvPr>
+          <p:cNvSpPr/>
+          <p:nvPr/>
+        </p:nvSpPr>
+        <p:spPr>
+          <a:xfrm>
+            <a:off x="992942" y="3261258"/>
+            <a:ext cx="516065" cy="810755"/>
+          </a:xfrm>
+          <a:prstGeom prst="rect">
+            <a:avLst/>
+          </a:prstGeom>
+          <a:noFill/>
+          <a:ln w="28575">
+            <a:solidFill>
+              <a:schemeClr val="tx1"/>
+            </a:solidFill>
+          </a:ln>
+        </p:spPr>
+        <p:style>
+          <a:lnRef idx="2">
+            <a:schemeClr val="accent1">
+              <a:shade val="50000"/>
+            </a:schemeClr>
+          </a:lnRef>
+          <a:fillRef idx="1">
+            <a:schemeClr val="accent1"/>
+          </a:fillRef>
+          <a:effectRef idx="0">
+            <a:schemeClr val="accent1"/>
+          </a:effectRef>
+          <a:fontRef idx="minor">
+            <a:schemeClr val="lt1"/>
+          </a:fontRef>
+        </p:style>
+        <p:txBody>
+          <a:bodyPr rtlCol="0" anchor="ctr"/>
+          <a:lstStyle/>
+          <a:p>
+            <a:pPr algn="ctr"/>
+            <a:endParaRPr kumimoji="1" lang="ja-JP" altLang="en-US"/>
+          </a:p>
+        </p:txBody>
+      </p:sp>
+      <p:sp>
+        <p:nvSpPr>
+          <p:cNvPr id="48" name="テキスト ボックス 47">
+            <a:extLst>
+              <a:ext uri="{FF2B5EF4-FFF2-40B4-BE49-F238E27FC236}">
+                <a16:creationId xmlns:a16="http://schemas.microsoft.com/office/drawing/2014/main" id="{3378B7A9-7F3B-443B-BFD7-DABFDA262918}"/>
+              </a:ext>
+            </a:extLst>
+          </p:cNvPr>
+          <p:cNvSpPr txBox="1"/>
+          <p:nvPr/>
+        </p:nvSpPr>
+        <p:spPr>
+          <a:xfrm>
+            <a:off x="346440" y="3242820"/>
+            <a:ext cx="492443" cy="461665"/>
+          </a:xfrm>
+          <a:prstGeom prst="rect">
+            <a:avLst/>
+          </a:prstGeom>
+          <a:noFill/>
+        </p:spPr>
+        <p:txBody>
+          <a:bodyPr wrap="none" rtlCol="0">
+            <a:spAutoFit/>
+          </a:bodyPr>
+          <a:lstStyle/>
+          <a:p>
+            <a:r>
+              <a:rPr lang="ja-JP" altLang="en-US" sz="2400" b="1" dirty="0">
+                <a:latin typeface="Georgia" panose="02040502050405020303" pitchFamily="18" charset="0"/>
+              </a:rPr>
+              <a:t>イ</a:t>
+            </a:r>
+            <a:endParaRPr lang="en-US" altLang="ja-JP" sz="2400" b="1" dirty="0">
+              <a:latin typeface="Georgia" panose="02040502050405020303" pitchFamily="18" charset="0"/>
+            </a:endParaRPr>
+          </a:p>
+        </p:txBody>
+      </p:sp>
+      <p:sp>
+        <p:nvSpPr>
+          <p:cNvPr id="49" name="正方形/長方形 48">
+            <a:extLst>
+              <a:ext uri="{FF2B5EF4-FFF2-40B4-BE49-F238E27FC236}">
+                <a16:creationId xmlns:a16="http://schemas.microsoft.com/office/drawing/2014/main" id="{7FA457B3-B132-4E5B-9D27-38C7C21B1E01}"/>
+              </a:ext>
+            </a:extLst>
+          </p:cNvPr>
+          <p:cNvSpPr/>
+          <p:nvPr/>
+        </p:nvSpPr>
+        <p:spPr>
+          <a:xfrm>
+            <a:off x="993484" y="4060826"/>
+            <a:ext cx="516065" cy="843882"/>
+          </a:xfrm>
+          <a:prstGeom prst="rect">
+            <a:avLst/>
+          </a:prstGeom>
+          <a:noFill/>
+          <a:ln w="28575">
+            <a:solidFill>
+              <a:schemeClr val="tx1"/>
+            </a:solidFill>
+          </a:ln>
+        </p:spPr>
+        <p:style>
+          <a:lnRef idx="2">
+            <a:schemeClr val="accent1">
+              <a:shade val="50000"/>
+            </a:schemeClr>
+          </a:lnRef>
+          <a:fillRef idx="1">
+            <a:schemeClr val="accent1"/>
+          </a:fillRef>
+          <a:effectRef idx="0">
+            <a:schemeClr val="accent1"/>
+          </a:effectRef>
+          <a:fontRef idx="minor">
+            <a:schemeClr val="lt1"/>
+          </a:fontRef>
+        </p:style>
+        <p:txBody>
+          <a:bodyPr rtlCol="0" anchor="ctr"/>
+          <a:lstStyle/>
+          <a:p>
+            <a:pPr algn="ctr"/>
+            <a:endParaRPr kumimoji="1" lang="ja-JP" altLang="en-US"/>
+          </a:p>
+        </p:txBody>
+      </p:sp>
+      <p:sp>
+        <p:nvSpPr>
+          <p:cNvPr id="86" name="正方形/長方形 85">
+            <a:extLst>
+              <a:ext uri="{FF2B5EF4-FFF2-40B4-BE49-F238E27FC236}">
+                <a16:creationId xmlns:a16="http://schemas.microsoft.com/office/drawing/2014/main" id="{CE3AE1A2-55F8-4C2F-97B3-884A01D3C0F3}"/>
+              </a:ext>
+            </a:extLst>
+          </p:cNvPr>
+          <p:cNvSpPr/>
+          <p:nvPr/>
+        </p:nvSpPr>
+        <p:spPr>
+          <a:xfrm>
+            <a:off x="992942" y="4885553"/>
+            <a:ext cx="516065" cy="810755"/>
+          </a:xfrm>
+          <a:prstGeom prst="rect">
+            <a:avLst/>
+          </a:prstGeom>
+          <a:noFill/>
+          <a:ln w="28575">
+            <a:solidFill>
+              <a:schemeClr val="tx1"/>
+            </a:solidFill>
+          </a:ln>
+        </p:spPr>
+        <p:style>
+          <a:lnRef idx="2">
+            <a:schemeClr val="accent1">
+              <a:shade val="50000"/>
+            </a:schemeClr>
+          </a:lnRef>
+          <a:fillRef idx="1">
+            <a:schemeClr val="accent1"/>
+          </a:fillRef>
+          <a:effectRef idx="0">
+            <a:schemeClr val="accent1"/>
+          </a:effectRef>
+          <a:fontRef idx="minor">
+            <a:schemeClr val="lt1"/>
+          </a:fontRef>
+        </p:style>
+        <p:txBody>
+          <a:bodyPr rtlCol="0" anchor="ctr"/>
+          <a:lstStyle/>
+          <a:p>
+            <a:pPr algn="ctr"/>
+            <a:endParaRPr kumimoji="1" lang="ja-JP" altLang="en-US"/>
+          </a:p>
+        </p:txBody>
+      </p:sp>
+      <p:sp>
+        <p:nvSpPr>
+          <p:cNvPr id="88" name="楕円 87">
+            <a:extLst>
+              <a:ext uri="{FF2B5EF4-FFF2-40B4-BE49-F238E27FC236}">
+                <a16:creationId xmlns:a16="http://schemas.microsoft.com/office/drawing/2014/main" id="{1BF7E4B7-A377-42BC-A8F3-ED7EE48E64AB}"/>
+              </a:ext>
+            </a:extLst>
+          </p:cNvPr>
+          <p:cNvSpPr/>
+          <p:nvPr/>
+        </p:nvSpPr>
+        <p:spPr>
+          <a:xfrm flipV="1">
+            <a:off x="1151103" y="5032221"/>
+            <a:ext cx="176092" cy="182966"/>
+          </a:xfrm>
+          <a:prstGeom prst="ellipse">
+            <a:avLst/>
+          </a:prstGeom>
+          <a:noFill/>
+          <a:ln w="28575">
+            <a:solidFill>
+              <a:schemeClr val="tx1"/>
+            </a:solidFill>
+          </a:ln>
+        </p:spPr>
+        <p:style>
+          <a:lnRef idx="2">
+            <a:schemeClr val="accent1">
+              <a:shade val="50000"/>
+            </a:schemeClr>
+          </a:lnRef>
+          <a:fillRef idx="1">
+            <a:schemeClr val="accent1"/>
+          </a:fillRef>
+          <a:effectRef idx="0">
+            <a:schemeClr val="accent1"/>
+          </a:effectRef>
+          <a:fontRef idx="minor">
+            <a:schemeClr val="lt1"/>
+          </a:fontRef>
+        </p:style>
+        <p:txBody>
+          <a:bodyPr rtlCol="0" anchor="ctr"/>
+          <a:lstStyle/>
+          <a:p>
+            <a:pPr algn="ctr"/>
+            <a:endParaRPr kumimoji="1" lang="ja-JP" altLang="en-US"/>
+          </a:p>
+        </p:txBody>
+      </p:sp>
+      <p:sp>
+        <p:nvSpPr>
+          <p:cNvPr id="89" name="楕円 88">
+            <a:extLst>
+              <a:ext uri="{FF2B5EF4-FFF2-40B4-BE49-F238E27FC236}">
+                <a16:creationId xmlns:a16="http://schemas.microsoft.com/office/drawing/2014/main" id="{4701FE00-4D22-4888-95E3-770E1344EDFB}"/>
+              </a:ext>
+            </a:extLst>
+          </p:cNvPr>
+          <p:cNvSpPr/>
+          <p:nvPr/>
+        </p:nvSpPr>
+        <p:spPr>
+          <a:xfrm flipV="1">
+            <a:off x="1151103" y="4565780"/>
+            <a:ext cx="176092" cy="182966"/>
+          </a:xfrm>
+          <a:prstGeom prst="ellipse">
+            <a:avLst/>
+          </a:prstGeom>
+          <a:noFill/>
+          <a:ln w="28575">
+            <a:solidFill>
+              <a:schemeClr val="tx1"/>
+            </a:solidFill>
+          </a:ln>
+        </p:spPr>
+        <p:style>
+          <a:lnRef idx="2">
+            <a:schemeClr val="accent1">
+              <a:shade val="50000"/>
+            </a:schemeClr>
+          </a:lnRef>
+          <a:fillRef idx="1">
+            <a:schemeClr val="accent1"/>
+          </a:fillRef>
+          <a:effectRef idx="0">
+            <a:schemeClr val="accent1"/>
+          </a:effectRef>
+          <a:fontRef idx="minor">
+            <a:schemeClr val="lt1"/>
+          </a:fontRef>
+        </p:style>
+        <p:txBody>
+          <a:bodyPr rtlCol="0" anchor="ctr"/>
+          <a:lstStyle/>
+          <a:p>
+            <a:pPr algn="ctr"/>
+            <a:endParaRPr kumimoji="1" lang="ja-JP" altLang="en-US"/>
+          </a:p>
+        </p:txBody>
+      </p:sp>
+      <p:sp>
+        <p:nvSpPr>
+          <p:cNvPr id="90" name="楕円 89">
+            <a:extLst>
+              <a:ext uri="{FF2B5EF4-FFF2-40B4-BE49-F238E27FC236}">
+                <a16:creationId xmlns:a16="http://schemas.microsoft.com/office/drawing/2014/main" id="{59802DBE-B646-40DD-82E7-66231EF66698}"/>
+              </a:ext>
+            </a:extLst>
+          </p:cNvPr>
+          <p:cNvSpPr/>
+          <p:nvPr/>
+        </p:nvSpPr>
+        <p:spPr>
+          <a:xfrm flipV="1">
+            <a:off x="1151103" y="4199526"/>
+            <a:ext cx="176092" cy="182966"/>
+          </a:xfrm>
+          <a:prstGeom prst="ellipse">
+            <a:avLst/>
+          </a:prstGeom>
+          <a:noFill/>
+          <a:ln w="28575">
+            <a:solidFill>
+              <a:schemeClr val="tx1"/>
+            </a:solidFill>
+          </a:ln>
+        </p:spPr>
+        <p:style>
+          <a:lnRef idx="2">
+            <a:schemeClr val="accent1">
+              <a:shade val="50000"/>
+            </a:schemeClr>
+          </a:lnRef>
+          <a:fillRef idx="1">
+            <a:schemeClr val="accent1"/>
+          </a:fillRef>
+          <a:effectRef idx="0">
+            <a:schemeClr val="accent1"/>
+          </a:effectRef>
+          <a:fontRef idx="minor">
+            <a:schemeClr val="lt1"/>
+          </a:fontRef>
+        </p:style>
+        <p:txBody>
+          <a:bodyPr rtlCol="0" anchor="ctr"/>
+          <a:lstStyle/>
+          <a:p>
+            <a:pPr algn="ctr"/>
+            <a:endParaRPr kumimoji="1" lang="ja-JP" altLang="en-US"/>
+          </a:p>
+        </p:txBody>
+      </p:sp>
+      <p:sp>
+        <p:nvSpPr>
+          <p:cNvPr id="91" name="楕円 90">
+            <a:extLst>
+              <a:ext uri="{FF2B5EF4-FFF2-40B4-BE49-F238E27FC236}">
+                <a16:creationId xmlns:a16="http://schemas.microsoft.com/office/drawing/2014/main" id="{FBDD354D-4089-4F7E-BD90-7E07C475A3A2}"/>
+              </a:ext>
+            </a:extLst>
+          </p:cNvPr>
+          <p:cNvSpPr/>
+          <p:nvPr/>
+        </p:nvSpPr>
+        <p:spPr>
+          <a:xfrm flipV="1">
+            <a:off x="1151103" y="3763271"/>
+            <a:ext cx="176092" cy="182966"/>
+          </a:xfrm>
+          <a:prstGeom prst="ellipse">
+            <a:avLst/>
+          </a:prstGeom>
+          <a:noFill/>
+          <a:ln w="28575">
+            <a:solidFill>
+              <a:schemeClr val="tx1"/>
+            </a:solidFill>
+          </a:ln>
+        </p:spPr>
+        <p:style>
+          <a:lnRef idx="2">
+            <a:schemeClr val="accent1">
+              <a:shade val="50000"/>
+            </a:schemeClr>
+          </a:lnRef>
+          <a:fillRef idx="1">
+            <a:schemeClr val="accent1"/>
+          </a:fillRef>
+          <a:effectRef idx="0">
+            <a:schemeClr val="accent1"/>
+          </a:effectRef>
+          <a:fontRef idx="minor">
+            <a:schemeClr val="lt1"/>
+          </a:fontRef>
+        </p:style>
+        <p:txBody>
+          <a:bodyPr rtlCol="0" anchor="ctr"/>
+          <a:lstStyle/>
+          <a:p>
+            <a:pPr algn="ctr"/>
+            <a:endParaRPr kumimoji="1" lang="ja-JP" altLang="en-US"/>
+          </a:p>
+        </p:txBody>
+      </p:sp>
+      <p:sp>
+        <p:nvSpPr>
+          <p:cNvPr id="92" name="楕円 91">
+            <a:extLst>
+              <a:ext uri="{FF2B5EF4-FFF2-40B4-BE49-F238E27FC236}">
+                <a16:creationId xmlns:a16="http://schemas.microsoft.com/office/drawing/2014/main" id="{C3A7A33C-D2FC-48F6-8C92-65FB2BE81E0A}"/>
+              </a:ext>
+            </a:extLst>
+          </p:cNvPr>
+          <p:cNvSpPr/>
+          <p:nvPr/>
+        </p:nvSpPr>
+        <p:spPr>
+          <a:xfrm flipV="1">
+            <a:off x="1143200" y="3391426"/>
+            <a:ext cx="176092" cy="182966"/>
+          </a:xfrm>
+          <a:prstGeom prst="ellipse">
+            <a:avLst/>
+          </a:prstGeom>
+          <a:noFill/>
+          <a:ln w="28575">
+            <a:solidFill>
+              <a:schemeClr val="tx1"/>
+            </a:solidFill>
+          </a:ln>
+        </p:spPr>
+        <p:style>
+          <a:lnRef idx="2">
+            <a:schemeClr val="accent1">
+              <a:shade val="50000"/>
+            </a:schemeClr>
+          </a:lnRef>
+          <a:fillRef idx="1">
+            <a:schemeClr val="accent1"/>
+          </a:fillRef>
+          <a:effectRef idx="0">
+            <a:schemeClr val="accent1"/>
+          </a:effectRef>
+          <a:fontRef idx="minor">
+            <a:schemeClr val="lt1"/>
+          </a:fontRef>
+        </p:style>
+        <p:txBody>
+          <a:bodyPr rtlCol="0" anchor="ctr"/>
+          <a:lstStyle/>
+          <a:p>
+            <a:pPr algn="ctr"/>
+            <a:endParaRPr kumimoji="1" lang="ja-JP" altLang="en-US"/>
+          </a:p>
+        </p:txBody>
+      </p:sp>
+      <p:sp>
+        <p:nvSpPr>
+          <p:cNvPr id="93" name="テキスト ボックス 92">
+            <a:extLst>
+              <a:ext uri="{FF2B5EF4-FFF2-40B4-BE49-F238E27FC236}">
+                <a16:creationId xmlns:a16="http://schemas.microsoft.com/office/drawing/2014/main" id="{FA2ED036-902B-44A0-B324-5BEEABCBBD72}"/>
+              </a:ext>
+            </a:extLst>
+          </p:cNvPr>
+          <p:cNvSpPr txBox="1"/>
+          <p:nvPr/>
+        </p:nvSpPr>
+        <p:spPr>
+          <a:xfrm>
+            <a:off x="332390" y="4285413"/>
+            <a:ext cx="492443" cy="461665"/>
+          </a:xfrm>
+          <a:prstGeom prst="rect">
+            <a:avLst/>
+          </a:prstGeom>
+          <a:noFill/>
+        </p:spPr>
+        <p:txBody>
+          <a:bodyPr wrap="none" rtlCol="0">
+            <a:spAutoFit/>
+          </a:bodyPr>
+          <a:lstStyle/>
+          <a:p>
+            <a:r>
+              <a:rPr lang="ja-JP" altLang="en-US" sz="2400" b="1" dirty="0">
+                <a:latin typeface="Georgia" panose="02040502050405020303" pitchFamily="18" charset="0"/>
+              </a:rPr>
+              <a:t>ロ</a:t>
+            </a:r>
+            <a:endParaRPr lang="en-US" altLang="ja-JP" sz="2400" b="1" dirty="0">
+              <a:latin typeface="Georgia" panose="02040502050405020303" pitchFamily="18" charset="0"/>
+            </a:endParaRPr>
+          </a:p>
+        </p:txBody>
+      </p:sp>
+      <p:sp>
+        <p:nvSpPr>
+          <p:cNvPr id="94" name="テキスト ボックス 93">
+            <a:extLst>
+              <a:ext uri="{FF2B5EF4-FFF2-40B4-BE49-F238E27FC236}">
+                <a16:creationId xmlns:a16="http://schemas.microsoft.com/office/drawing/2014/main" id="{6EB70CF1-4319-4D95-9933-216F2FB1ED80}"/>
+              </a:ext>
+            </a:extLst>
+          </p:cNvPr>
+          <p:cNvSpPr txBox="1"/>
+          <p:nvPr/>
+        </p:nvSpPr>
+        <p:spPr>
+          <a:xfrm>
+            <a:off x="339765" y="5328007"/>
+            <a:ext cx="492443" cy="461665"/>
+          </a:xfrm>
+          <a:prstGeom prst="rect">
+            <a:avLst/>
+          </a:prstGeom>
+          <a:noFill/>
+        </p:spPr>
+        <p:txBody>
+          <a:bodyPr wrap="none" rtlCol="0">
+            <a:spAutoFit/>
+          </a:bodyPr>
+          <a:lstStyle/>
+          <a:p>
+            <a:r>
+              <a:rPr lang="ja-JP" altLang="en-US" sz="2400" b="1" dirty="0">
+                <a:latin typeface="Georgia" panose="02040502050405020303" pitchFamily="18" charset="0"/>
+              </a:rPr>
+              <a:t>ハ</a:t>
+            </a:r>
+            <a:endParaRPr lang="en-US" altLang="ja-JP" sz="2400" b="1" dirty="0">
+              <a:latin typeface="Georgia" panose="02040502050405020303" pitchFamily="18" charset="0"/>
+            </a:endParaRPr>
+          </a:p>
+        </p:txBody>
+      </p:sp>
+      <p:sp>
+        <p:nvSpPr>
+          <p:cNvPr id="95" name="楕円 94">
+            <a:extLst>
+              <a:ext uri="{FF2B5EF4-FFF2-40B4-BE49-F238E27FC236}">
+                <a16:creationId xmlns:a16="http://schemas.microsoft.com/office/drawing/2014/main" id="{6968390D-46C8-4D48-BAD0-785D8F2B2CEA}"/>
+              </a:ext>
+            </a:extLst>
+          </p:cNvPr>
+          <p:cNvSpPr/>
+          <p:nvPr/>
+        </p:nvSpPr>
+        <p:spPr>
+          <a:xfrm flipV="1">
+            <a:off x="1089843" y="1204605"/>
+            <a:ext cx="176092" cy="182966"/>
+          </a:xfrm>
+          <a:prstGeom prst="ellipse">
+            <a:avLst/>
+          </a:prstGeom>
+          <a:noFill/>
+          <a:ln w="28575">
+            <a:solidFill>
+              <a:schemeClr val="tx1"/>
+            </a:solidFill>
+          </a:ln>
+        </p:spPr>
+        <p:style>
+          <a:lnRef idx="2">
+            <a:schemeClr val="accent1">
+              <a:shade val="50000"/>
+            </a:schemeClr>
+          </a:lnRef>
+          <a:fillRef idx="1">
+            <a:schemeClr val="accent1"/>
+          </a:fillRef>
+          <a:effectRef idx="0">
+            <a:schemeClr val="accent1"/>
+          </a:effectRef>
+          <a:fontRef idx="minor">
+            <a:schemeClr val="lt1"/>
+          </a:fontRef>
+        </p:style>
+        <p:txBody>
+          <a:bodyPr rtlCol="0" anchor="ctr"/>
+          <a:lstStyle/>
+          <a:p>
+            <a:pPr algn="ctr"/>
+            <a:endParaRPr kumimoji="1" lang="ja-JP" altLang="en-US"/>
+          </a:p>
+        </p:txBody>
+      </p:sp>
+      <p:sp>
+        <p:nvSpPr>
+          <p:cNvPr id="96" name="楕円 95">
+            <a:extLst>
+              <a:ext uri="{FF2B5EF4-FFF2-40B4-BE49-F238E27FC236}">
+                <a16:creationId xmlns:a16="http://schemas.microsoft.com/office/drawing/2014/main" id="{452C832B-95BB-46F4-BC92-F212FD1BA8CA}"/>
+              </a:ext>
+            </a:extLst>
+          </p:cNvPr>
+          <p:cNvSpPr/>
+          <p:nvPr/>
+        </p:nvSpPr>
+        <p:spPr>
+          <a:xfrm flipV="1">
+            <a:off x="1070115" y="1838937"/>
+            <a:ext cx="176092" cy="182966"/>
+          </a:xfrm>
+          <a:prstGeom prst="ellipse">
+            <a:avLst/>
+          </a:prstGeom>
+          <a:noFill/>
+          <a:ln w="28575">
+            <a:solidFill>
+              <a:schemeClr val="tx1"/>
+            </a:solidFill>
+          </a:ln>
+        </p:spPr>
+        <p:style>
+          <a:lnRef idx="2">
+            <a:schemeClr val="accent1">
+              <a:shade val="50000"/>
+            </a:schemeClr>
+          </a:lnRef>
+          <a:fillRef idx="1">
+            <a:schemeClr val="accent1"/>
+          </a:fillRef>
+          <a:effectRef idx="0">
+            <a:schemeClr val="accent1"/>
+          </a:effectRef>
+          <a:fontRef idx="minor">
+            <a:schemeClr val="lt1"/>
+          </a:fontRef>
+        </p:style>
+        <p:txBody>
+          <a:bodyPr rtlCol="0" anchor="ctr"/>
+          <a:lstStyle/>
+          <a:p>
+            <a:pPr algn="ctr"/>
+            <a:endParaRPr kumimoji="1" lang="ja-JP" altLang="en-US"/>
+          </a:p>
+        </p:txBody>
+      </p:sp>
+      <p:sp>
+        <p:nvSpPr>
+          <p:cNvPr id="97" name="正方形/長方形 96">
+            <a:extLst>
+              <a:ext uri="{FF2B5EF4-FFF2-40B4-BE49-F238E27FC236}">
+                <a16:creationId xmlns:a16="http://schemas.microsoft.com/office/drawing/2014/main" id="{1690E899-882F-434D-9DF0-53BD64B1A107}"/>
+              </a:ext>
+            </a:extLst>
+          </p:cNvPr>
+          <p:cNvSpPr/>
+          <p:nvPr/>
+        </p:nvSpPr>
+        <p:spPr>
+          <a:xfrm rot="5400000">
+            <a:off x="6018654" y="5524280"/>
+            <a:ext cx="574371" cy="1172698"/>
+          </a:xfrm>
+          <a:prstGeom prst="rect">
+            <a:avLst/>
+          </a:prstGeom>
+          <a:noFill/>
+          <a:ln w="28575">
+            <a:solidFill>
+              <a:schemeClr val="tx1"/>
+            </a:solidFill>
+          </a:ln>
+        </p:spPr>
+        <p:style>
+          <a:lnRef idx="2">
+            <a:schemeClr val="accent1">
+              <a:shade val="50000"/>
+            </a:schemeClr>
+          </a:lnRef>
+          <a:fillRef idx="1">
+            <a:schemeClr val="accent1"/>
+          </a:fillRef>
+          <a:effectRef idx="0">
+            <a:schemeClr val="accent1"/>
+          </a:effectRef>
+          <a:fontRef idx="minor">
+            <a:schemeClr val="lt1"/>
+          </a:fontRef>
+        </p:style>
+        <p:txBody>
+          <a:bodyPr rtlCol="0" anchor="ctr"/>
+          <a:lstStyle/>
+          <a:p>
+            <a:pPr algn="ctr"/>
+            <a:r>
+              <a:rPr lang="ja-JP" altLang="en-US" dirty="0"/>
+              <a:t>（）</a:t>
+            </a:r>
+            <a:endParaRPr kumimoji="1" lang="ja-JP" altLang="en-US" dirty="0"/>
+          </a:p>
+        </p:txBody>
+      </p:sp>
+      <p:sp>
+        <p:nvSpPr>
+          <p:cNvPr id="98" name="テキスト ボックス 97">
+            <a:extLst>
+              <a:ext uri="{FF2B5EF4-FFF2-40B4-BE49-F238E27FC236}">
+                <a16:creationId xmlns:a16="http://schemas.microsoft.com/office/drawing/2014/main" id="{596CABCB-5B09-438C-93FF-FFF030005C06}"/>
+              </a:ext>
+            </a:extLst>
+          </p:cNvPr>
+          <p:cNvSpPr txBox="1"/>
+          <p:nvPr/>
+        </p:nvSpPr>
+        <p:spPr>
+          <a:xfrm rot="16200000">
+            <a:off x="6151159" y="5747981"/>
+            <a:ext cx="461665" cy="769441"/>
+          </a:xfrm>
+          <a:prstGeom prst="rect">
+            <a:avLst/>
+          </a:prstGeom>
+          <a:noFill/>
+        </p:spPr>
+        <p:txBody>
+          <a:bodyPr vert="eaVert" wrap="square" rtlCol="0">
+            <a:spAutoFit/>
+          </a:bodyPr>
+          <a:lstStyle/>
+          <a:p>
+            <a:r>
+              <a:rPr kumimoji="1" lang="ja-JP" altLang="en-US" b="1" dirty="0"/>
+              <a:t>（ ）</a:t>
+            </a:r>
+          </a:p>
+        </p:txBody>
+      </p:sp>
+      <p:sp>
+        <p:nvSpPr>
+          <p:cNvPr id="99" name="テキスト ボックス 98">
+            <a:extLst>
+              <a:ext uri="{FF2B5EF4-FFF2-40B4-BE49-F238E27FC236}">
+                <a16:creationId xmlns:a16="http://schemas.microsoft.com/office/drawing/2014/main" id="{AA68DA23-F100-4DEA-BF48-28B252CAE322}"/>
+              </a:ext>
+            </a:extLst>
+          </p:cNvPr>
+          <p:cNvSpPr txBox="1"/>
+          <p:nvPr/>
+        </p:nvSpPr>
+        <p:spPr>
+          <a:xfrm>
+            <a:off x="5821497" y="6458291"/>
+            <a:ext cx="570990" cy="461665"/>
+          </a:xfrm>
+          <a:prstGeom prst="rect">
+            <a:avLst/>
+          </a:prstGeom>
+          <a:noFill/>
+        </p:spPr>
+        <p:txBody>
+          <a:bodyPr wrap="none" rtlCol="0">
+            <a:spAutoFit/>
+          </a:bodyPr>
+          <a:lstStyle/>
+          <a:p>
+            <a:r>
+              <a:rPr lang="en-US" altLang="ja-JP" sz="2400" b="1" dirty="0">
+                <a:latin typeface="Georgia" panose="02040502050405020303" pitchFamily="18" charset="0"/>
+              </a:rPr>
+              <a:t> </a:t>
+            </a:r>
+            <a:r>
+              <a:rPr lang="ja-JP" altLang="en-US" sz="2400" b="1" dirty="0">
+                <a:latin typeface="Georgia" panose="02040502050405020303" pitchFamily="18" charset="0"/>
+              </a:rPr>
+              <a:t>ハ</a:t>
+            </a:r>
+            <a:endParaRPr kumimoji="1" lang="ja-JP" altLang="en-US" sz="2400" b="1" dirty="0">
+              <a:latin typeface="Georgia" panose="02040502050405020303" pitchFamily="18" charset="0"/>
+            </a:endParaRPr>
+          </a:p>
+        </p:txBody>
+      </p:sp>
+      <p:sp>
+        <p:nvSpPr>
+          <p:cNvPr id="27" name="正方形/長方形 26">
+            <a:extLst>
+              <a:ext uri="{FF2B5EF4-FFF2-40B4-BE49-F238E27FC236}">
+                <a16:creationId xmlns:a16="http://schemas.microsoft.com/office/drawing/2014/main" id="{886DBA0C-C3E0-4717-A773-C5392AF72A42}"/>
+              </a:ext>
+            </a:extLst>
+          </p:cNvPr>
+          <p:cNvSpPr/>
+          <p:nvPr/>
+        </p:nvSpPr>
+        <p:spPr>
+          <a:xfrm>
+            <a:off x="4194001" y="511018"/>
+            <a:ext cx="2770136" cy="2310370"/>
+          </a:xfrm>
+          <a:prstGeom prst="rect">
+            <a:avLst/>
+          </a:prstGeom>
+          <a:noFill/>
+          <a:ln w="28575">
+            <a:solidFill>
+              <a:schemeClr val="tx1"/>
+            </a:solidFill>
+            <a:prstDash val="dash"/>
+          </a:ln>
+        </p:spPr>
+        <p:style>
+          <a:lnRef idx="2">
+            <a:schemeClr val="accent1">
+              <a:shade val="50000"/>
+            </a:schemeClr>
+          </a:lnRef>
+          <a:fillRef idx="1">
+            <a:schemeClr val="accent1"/>
+          </a:fillRef>
+          <a:effectRef idx="0">
+            <a:schemeClr val="accent1"/>
+          </a:effectRef>
+          <a:fontRef idx="minor">
+            <a:schemeClr val="lt1"/>
+          </a:fontRef>
+        </p:style>
+        <p:txBody>
+          <a:bodyPr rtlCol="0" anchor="ctr"/>
+          <a:lstStyle/>
+          <a:p>
+            <a:pPr algn="ctr"/>
+            <a:endParaRPr kumimoji="1" lang="ja-JP" altLang="en-US"/>
+          </a:p>
+        </p:txBody>
+      </p:sp>
+      <p:cxnSp>
+        <p:nvCxnSpPr>
+          <p:cNvPr id="26" name="直線コネクタ 25">
+            <a:extLst>
+              <a:ext uri="{FF2B5EF4-FFF2-40B4-BE49-F238E27FC236}">
+                <a16:creationId xmlns:a16="http://schemas.microsoft.com/office/drawing/2014/main" id="{0F323E85-A8A7-4B0F-BA98-88A1F8B5BDC6}"/>
+              </a:ext>
+            </a:extLst>
+          </p:cNvPr>
+          <p:cNvCxnSpPr>
+            <a:cxnSpLocks/>
+          </p:cNvCxnSpPr>
+          <p:nvPr/>
+        </p:nvCxnSpPr>
+        <p:spPr>
+          <a:xfrm flipH="1">
+            <a:off x="1246208" y="1307090"/>
+            <a:ext cx="6389503" cy="0"/>
+          </a:xfrm>
+          <a:prstGeom prst="line">
+            <a:avLst/>
+          </a:prstGeom>
+          <a:ln w="57150">
+            <a:solidFill>
+              <a:schemeClr val="accent1">
+                <a:lumMod val="60000"/>
+                <a:lumOff val="40000"/>
+              </a:schemeClr>
+            </a:solidFill>
+          </a:ln>
+        </p:spPr>
+        <p:style>
+          <a:lnRef idx="1">
+            <a:schemeClr val="accent1"/>
+          </a:lnRef>
+          <a:fillRef idx="0">
+            <a:schemeClr val="accent1"/>
+          </a:fillRef>
+          <a:effectRef idx="0">
+            <a:schemeClr val="accent1"/>
+          </a:effectRef>
+          <a:fontRef idx="minor">
+            <a:schemeClr val="tx1"/>
+          </a:fontRef>
+        </p:style>
+      </p:cxnSp>
+      <p:sp>
+        <p:nvSpPr>
+          <p:cNvPr id="28" name="楕円 27">
+            <a:extLst>
+              <a:ext uri="{FF2B5EF4-FFF2-40B4-BE49-F238E27FC236}">
+                <a16:creationId xmlns:a16="http://schemas.microsoft.com/office/drawing/2014/main" id="{695E1221-9D3D-4EB1-A29F-BEC478D8C363}"/>
+              </a:ext>
+            </a:extLst>
+          </p:cNvPr>
+          <p:cNvSpPr/>
+          <p:nvPr/>
+        </p:nvSpPr>
+        <p:spPr>
+          <a:xfrm flipV="1">
+            <a:off x="6392487" y="1215607"/>
+            <a:ext cx="176092" cy="182966"/>
+          </a:xfrm>
+          <a:prstGeom prst="ellipse">
+            <a:avLst/>
+          </a:prstGeom>
+          <a:solidFill>
+            <a:schemeClr val="tx1"/>
+          </a:solidFill>
+          <a:ln w="28575">
+            <a:noFill/>
+          </a:ln>
+        </p:spPr>
+        <p:style>
+          <a:lnRef idx="2">
+            <a:schemeClr val="accent1">
+              <a:shade val="50000"/>
+            </a:schemeClr>
+          </a:lnRef>
+          <a:fillRef idx="1">
+            <a:schemeClr val="accent1"/>
+          </a:fillRef>
+          <a:effectRef idx="0">
+            <a:schemeClr val="accent1"/>
+          </a:effectRef>
+          <a:fontRef idx="minor">
+            <a:schemeClr val="lt1"/>
+          </a:fontRef>
+        </p:style>
+        <p:txBody>
+          <a:bodyPr rtlCol="0" anchor="ctr"/>
+          <a:lstStyle/>
+          <a:p>
+            <a:pPr algn="ctr"/>
+            <a:endParaRPr kumimoji="1" lang="ja-JP" altLang="en-US"/>
+          </a:p>
+        </p:txBody>
+      </p:sp>
+      <p:cxnSp>
+        <p:nvCxnSpPr>
+          <p:cNvPr id="29" name="直線コネクタ 28">
+            <a:extLst>
+              <a:ext uri="{FF2B5EF4-FFF2-40B4-BE49-F238E27FC236}">
+                <a16:creationId xmlns:a16="http://schemas.microsoft.com/office/drawing/2014/main" id="{1855F3D8-C5B4-4CDB-B7F3-898EF960470E}"/>
+              </a:ext>
+            </a:extLst>
+          </p:cNvPr>
+          <p:cNvCxnSpPr>
+            <a:cxnSpLocks/>
+          </p:cNvCxnSpPr>
+          <p:nvPr/>
+        </p:nvCxnSpPr>
+        <p:spPr>
+          <a:xfrm flipV="1">
+            <a:off x="6480533" y="1387571"/>
+            <a:ext cx="55684" cy="4435872"/>
+          </a:xfrm>
+          <a:prstGeom prst="line">
+            <a:avLst/>
+          </a:prstGeom>
+          <a:ln w="57150">
+            <a:solidFill>
+              <a:schemeClr val="accent1">
+                <a:lumMod val="60000"/>
+                <a:lumOff val="40000"/>
+              </a:schemeClr>
+            </a:solidFill>
+          </a:ln>
+        </p:spPr>
+        <p:style>
+          <a:lnRef idx="1">
+            <a:schemeClr val="accent1"/>
+          </a:lnRef>
+          <a:fillRef idx="0">
+            <a:schemeClr val="accent1"/>
+          </a:fillRef>
+          <a:effectRef idx="0">
+            <a:schemeClr val="accent1"/>
+          </a:effectRef>
+          <a:fontRef idx="minor">
+            <a:schemeClr val="tx1"/>
+          </a:fontRef>
+        </p:style>
+      </p:cxnSp>
+      <p:cxnSp>
+        <p:nvCxnSpPr>
+          <p:cNvPr id="32" name="直線コネクタ 31">
+            <a:extLst>
+              <a:ext uri="{FF2B5EF4-FFF2-40B4-BE49-F238E27FC236}">
+                <a16:creationId xmlns:a16="http://schemas.microsoft.com/office/drawing/2014/main" id="{D4B68F89-AF3F-478D-846C-2CD8018289E9}"/>
+              </a:ext>
+            </a:extLst>
+          </p:cNvPr>
+          <p:cNvCxnSpPr>
+            <a:cxnSpLocks/>
+            <a:stCxn id="44" idx="3"/>
+          </p:cNvCxnSpPr>
+          <p:nvPr/>
+        </p:nvCxnSpPr>
+        <p:spPr>
+          <a:xfrm>
+            <a:off x="7602044" y="864629"/>
+            <a:ext cx="33667" cy="442461"/>
+          </a:xfrm>
+          <a:prstGeom prst="line">
+            <a:avLst/>
+          </a:prstGeom>
+          <a:ln w="57150">
+            <a:solidFill>
+              <a:schemeClr val="accent1">
+                <a:lumMod val="60000"/>
+                <a:lumOff val="40000"/>
+              </a:schemeClr>
+            </a:solidFill>
+          </a:ln>
+        </p:spPr>
+        <p:style>
+          <a:lnRef idx="1">
+            <a:schemeClr val="accent1"/>
+          </a:lnRef>
+          <a:fillRef idx="0">
+            <a:schemeClr val="accent1"/>
+          </a:fillRef>
+          <a:effectRef idx="0">
+            <a:schemeClr val="accent1"/>
+          </a:effectRef>
+          <a:fontRef idx="minor">
+            <a:schemeClr val="tx1"/>
+          </a:fontRef>
+        </p:style>
+      </p:cxnSp>
+      <p:cxnSp>
+        <p:nvCxnSpPr>
+          <p:cNvPr id="30" name="直線コネクタ 29">
+            <a:extLst>
+              <a:ext uri="{FF2B5EF4-FFF2-40B4-BE49-F238E27FC236}">
+                <a16:creationId xmlns:a16="http://schemas.microsoft.com/office/drawing/2014/main" id="{66E06D57-8CEE-47CF-876A-FCCAD4B3AD0F}"/>
+              </a:ext>
+            </a:extLst>
+          </p:cNvPr>
+          <p:cNvCxnSpPr>
+            <a:cxnSpLocks/>
+          </p:cNvCxnSpPr>
+          <p:nvPr/>
+        </p:nvCxnSpPr>
+        <p:spPr>
+          <a:xfrm flipH="1">
+            <a:off x="1215405" y="1928254"/>
+            <a:ext cx="3752427" cy="16706"/>
+          </a:xfrm>
+          <a:prstGeom prst="line">
+            <a:avLst/>
+          </a:prstGeom>
+          <a:ln w="57150">
+            <a:solidFill>
+              <a:schemeClr val="bg2">
+                <a:lumMod val="10000"/>
+              </a:schemeClr>
+            </a:solidFill>
+          </a:ln>
+        </p:spPr>
+        <p:style>
+          <a:lnRef idx="1">
+            <a:schemeClr val="accent1"/>
+          </a:lnRef>
+          <a:fillRef idx="0">
+            <a:schemeClr val="accent1"/>
+          </a:fillRef>
+          <a:effectRef idx="0">
+            <a:schemeClr val="accent1"/>
+          </a:effectRef>
+          <a:fontRef idx="minor">
+            <a:schemeClr val="tx1"/>
+          </a:fontRef>
+        </p:style>
+      </p:cxnSp>
+      <p:cxnSp>
+        <p:nvCxnSpPr>
+          <p:cNvPr id="31" name="直線コネクタ 30">
+            <a:extLst>
+              <a:ext uri="{FF2B5EF4-FFF2-40B4-BE49-F238E27FC236}">
+                <a16:creationId xmlns:a16="http://schemas.microsoft.com/office/drawing/2014/main" id="{6BDE6CE9-C1AB-4139-96BF-DFA7CCB4A6A7}"/>
+              </a:ext>
+            </a:extLst>
+          </p:cNvPr>
+          <p:cNvCxnSpPr>
+            <a:cxnSpLocks/>
+          </p:cNvCxnSpPr>
+          <p:nvPr/>
+        </p:nvCxnSpPr>
+        <p:spPr>
+          <a:xfrm flipH="1">
+            <a:off x="4917876" y="1887818"/>
+            <a:ext cx="49958" cy="3138628"/>
+          </a:xfrm>
+          <a:prstGeom prst="line">
+            <a:avLst/>
+          </a:prstGeom>
+          <a:ln w="57150">
+            <a:solidFill>
+              <a:schemeClr val="bg2">
+                <a:lumMod val="10000"/>
+              </a:schemeClr>
+            </a:solidFill>
+          </a:ln>
+        </p:spPr>
+        <p:style>
+          <a:lnRef idx="1">
+            <a:schemeClr val="accent1"/>
+          </a:lnRef>
+          <a:fillRef idx="0">
+            <a:schemeClr val="accent1"/>
+          </a:fillRef>
+          <a:effectRef idx="0">
+            <a:schemeClr val="accent1"/>
+          </a:effectRef>
+          <a:fontRef idx="minor">
+            <a:schemeClr val="tx1"/>
+          </a:fontRef>
+        </p:style>
+      </p:cxnSp>
+      <p:cxnSp>
+        <p:nvCxnSpPr>
+          <p:cNvPr id="34" name="直線コネクタ 33">
+            <a:extLst>
+              <a:ext uri="{FF2B5EF4-FFF2-40B4-BE49-F238E27FC236}">
+                <a16:creationId xmlns:a16="http://schemas.microsoft.com/office/drawing/2014/main" id="{A1CB3EEB-C536-4C9D-8BCF-B6B4096626C4}"/>
+              </a:ext>
+            </a:extLst>
+          </p:cNvPr>
+          <p:cNvCxnSpPr>
+            <a:cxnSpLocks/>
+          </p:cNvCxnSpPr>
+          <p:nvPr/>
+        </p:nvCxnSpPr>
+        <p:spPr>
+          <a:xfrm flipH="1">
+            <a:off x="4257946" y="1908916"/>
+            <a:ext cx="697342" cy="1514041"/>
+          </a:xfrm>
+          <a:prstGeom prst="line">
+            <a:avLst/>
+          </a:prstGeom>
+          <a:ln w="57150">
+            <a:solidFill>
+              <a:schemeClr val="bg2">
+                <a:lumMod val="10000"/>
+              </a:schemeClr>
+            </a:solidFill>
+          </a:ln>
+        </p:spPr>
+        <p:style>
+          <a:lnRef idx="1">
+            <a:schemeClr val="accent1"/>
+          </a:lnRef>
+          <a:fillRef idx="0">
+            <a:schemeClr val="accent1"/>
+          </a:fillRef>
+          <a:effectRef idx="0">
+            <a:schemeClr val="accent1"/>
+          </a:effectRef>
+          <a:fontRef idx="minor">
+            <a:schemeClr val="tx1"/>
+          </a:fontRef>
+        </p:style>
+      </p:cxnSp>
+      <p:cxnSp>
+        <p:nvCxnSpPr>
+          <p:cNvPr id="36" name="直線コネクタ 35">
+            <a:extLst>
+              <a:ext uri="{FF2B5EF4-FFF2-40B4-BE49-F238E27FC236}">
+                <a16:creationId xmlns:a16="http://schemas.microsoft.com/office/drawing/2014/main" id="{EE9BE33D-4BC8-49A2-A02F-2BE32762160D}"/>
+              </a:ext>
+            </a:extLst>
+          </p:cNvPr>
+          <p:cNvCxnSpPr>
+            <a:cxnSpLocks/>
+          </p:cNvCxnSpPr>
+          <p:nvPr/>
+        </p:nvCxnSpPr>
+        <p:spPr>
+          <a:xfrm flipH="1">
+            <a:off x="4432630" y="1985396"/>
+            <a:ext cx="522659" cy="2223424"/>
+          </a:xfrm>
+          <a:prstGeom prst="line">
+            <a:avLst/>
+          </a:prstGeom>
+          <a:ln w="57150">
+            <a:solidFill>
+              <a:schemeClr val="bg2">
+                <a:lumMod val="10000"/>
+              </a:schemeClr>
+            </a:solidFill>
+          </a:ln>
+        </p:spPr>
+        <p:style>
+          <a:lnRef idx="1">
+            <a:schemeClr val="accent1"/>
+          </a:lnRef>
+          <a:fillRef idx="0">
+            <a:schemeClr val="accent1"/>
+          </a:fillRef>
+          <a:effectRef idx="0">
+            <a:schemeClr val="accent1"/>
+          </a:effectRef>
+          <a:fontRef idx="minor">
+            <a:schemeClr val="tx1"/>
+          </a:fontRef>
+        </p:style>
+      </p:cxnSp>
+      <p:cxnSp>
+        <p:nvCxnSpPr>
+          <p:cNvPr id="40" name="直線コネクタ 39">
+            <a:extLst>
+              <a:ext uri="{FF2B5EF4-FFF2-40B4-BE49-F238E27FC236}">
+                <a16:creationId xmlns:a16="http://schemas.microsoft.com/office/drawing/2014/main" id="{7F963BC0-7704-4635-AA2A-28494CE99945}"/>
+              </a:ext>
+            </a:extLst>
+          </p:cNvPr>
+          <p:cNvCxnSpPr>
+            <a:cxnSpLocks/>
+          </p:cNvCxnSpPr>
+          <p:nvPr/>
+        </p:nvCxnSpPr>
+        <p:spPr>
+          <a:xfrm flipH="1">
+            <a:off x="1317884" y="3422957"/>
+            <a:ext cx="2940062" cy="61186"/>
+          </a:xfrm>
+          <a:prstGeom prst="line">
+            <a:avLst/>
+          </a:prstGeom>
+          <a:ln w="57150">
+            <a:solidFill>
+              <a:schemeClr val="bg2">
+                <a:lumMod val="10000"/>
+              </a:schemeClr>
+            </a:solidFill>
+          </a:ln>
+        </p:spPr>
+        <p:style>
+          <a:lnRef idx="1">
+            <a:schemeClr val="accent1"/>
+          </a:lnRef>
+          <a:fillRef idx="0">
+            <a:schemeClr val="accent1"/>
+          </a:fillRef>
+          <a:effectRef idx="0">
+            <a:schemeClr val="accent1"/>
+          </a:effectRef>
+          <a:fontRef idx="minor">
+            <a:schemeClr val="tx1"/>
+          </a:fontRef>
+        </p:style>
+      </p:cxnSp>
+      <p:cxnSp>
+        <p:nvCxnSpPr>
+          <p:cNvPr id="46" name="直線コネクタ 45">
+            <a:extLst>
+              <a:ext uri="{FF2B5EF4-FFF2-40B4-BE49-F238E27FC236}">
+                <a16:creationId xmlns:a16="http://schemas.microsoft.com/office/drawing/2014/main" id="{78C5CA0E-E5B7-4FB6-90F8-ED09F2494E16}"/>
+              </a:ext>
+            </a:extLst>
+          </p:cNvPr>
+          <p:cNvCxnSpPr>
+            <a:cxnSpLocks/>
+          </p:cNvCxnSpPr>
+          <p:nvPr/>
+        </p:nvCxnSpPr>
+        <p:spPr>
+          <a:xfrm flipH="1">
+            <a:off x="1327195" y="4208820"/>
+            <a:ext cx="3113764" cy="59616"/>
+          </a:xfrm>
+          <a:prstGeom prst="line">
+            <a:avLst/>
+          </a:prstGeom>
+          <a:ln w="57150">
+            <a:solidFill>
+              <a:schemeClr val="bg2">
+                <a:lumMod val="10000"/>
+              </a:schemeClr>
+            </a:solidFill>
+          </a:ln>
+        </p:spPr>
+        <p:style>
+          <a:lnRef idx="1">
+            <a:schemeClr val="accent1"/>
+          </a:lnRef>
+          <a:fillRef idx="0">
+            <a:schemeClr val="accent1"/>
+          </a:fillRef>
+          <a:effectRef idx="0">
+            <a:schemeClr val="accent1"/>
+          </a:effectRef>
+          <a:fontRef idx="minor">
+            <a:schemeClr val="tx1"/>
+          </a:fontRef>
+        </p:style>
+      </p:cxnSp>
+      <p:cxnSp>
+        <p:nvCxnSpPr>
+          <p:cNvPr id="50" name="直線コネクタ 49">
+            <a:extLst>
+              <a:ext uri="{FF2B5EF4-FFF2-40B4-BE49-F238E27FC236}">
+                <a16:creationId xmlns:a16="http://schemas.microsoft.com/office/drawing/2014/main" id="{7DE80B9A-8B39-4A2D-8A4B-3D4E9B41E2EA}"/>
+              </a:ext>
+            </a:extLst>
+          </p:cNvPr>
+          <p:cNvCxnSpPr>
+            <a:cxnSpLocks/>
+          </p:cNvCxnSpPr>
+          <p:nvPr/>
+        </p:nvCxnSpPr>
+        <p:spPr>
+          <a:xfrm flipH="1">
+            <a:off x="1328124" y="5026446"/>
+            <a:ext cx="3627164" cy="98888"/>
+          </a:xfrm>
+          <a:prstGeom prst="line">
+            <a:avLst/>
+          </a:prstGeom>
+          <a:ln w="57150">
+            <a:solidFill>
+              <a:schemeClr val="bg2">
+                <a:lumMod val="10000"/>
+              </a:schemeClr>
+            </a:solidFill>
+          </a:ln>
+        </p:spPr>
+        <p:style>
+          <a:lnRef idx="1">
+            <a:schemeClr val="accent1"/>
+          </a:lnRef>
+          <a:fillRef idx="0">
+            <a:schemeClr val="accent1"/>
+          </a:fillRef>
+          <a:effectRef idx="0">
+            <a:schemeClr val="accent1"/>
+          </a:effectRef>
+          <a:fontRef idx="minor">
+            <a:schemeClr val="tx1"/>
+          </a:fontRef>
+        </p:style>
+      </p:cxnSp>
+      <p:sp>
+        <p:nvSpPr>
+          <p:cNvPr id="52" name="楕円 51">
+            <a:extLst>
+              <a:ext uri="{FF2B5EF4-FFF2-40B4-BE49-F238E27FC236}">
+                <a16:creationId xmlns:a16="http://schemas.microsoft.com/office/drawing/2014/main" id="{A9D2919D-84EE-4CC4-ADDE-9C751D7109CD}"/>
+              </a:ext>
+            </a:extLst>
+          </p:cNvPr>
+          <p:cNvSpPr/>
+          <p:nvPr/>
+        </p:nvSpPr>
+        <p:spPr>
+          <a:xfrm flipV="1">
+            <a:off x="4867242" y="1838937"/>
+            <a:ext cx="176092" cy="182966"/>
+          </a:xfrm>
+          <a:prstGeom prst="ellipse">
+            <a:avLst/>
+          </a:prstGeom>
+          <a:solidFill>
+            <a:schemeClr val="tx1"/>
+          </a:solidFill>
+          <a:ln w="28575">
+            <a:noFill/>
+          </a:ln>
+        </p:spPr>
+        <p:style>
+          <a:lnRef idx="2">
+            <a:schemeClr val="accent1">
+              <a:shade val="50000"/>
+            </a:schemeClr>
+          </a:lnRef>
+          <a:fillRef idx="1">
+            <a:schemeClr val="accent1"/>
+          </a:fillRef>
+          <a:effectRef idx="0">
+            <a:schemeClr val="accent1"/>
+          </a:effectRef>
+          <a:fontRef idx="minor">
+            <a:schemeClr val="lt1"/>
+          </a:fontRef>
+        </p:style>
+        <p:txBody>
+          <a:bodyPr rtlCol="0" anchor="ctr"/>
+          <a:lstStyle/>
+          <a:p>
+            <a:pPr algn="ctr"/>
+            <a:endParaRPr kumimoji="1" lang="ja-JP" altLang="en-US"/>
+          </a:p>
+        </p:txBody>
+      </p:sp>
+      <p:cxnSp>
+        <p:nvCxnSpPr>
+          <p:cNvPr id="53" name="直線コネクタ 52">
+            <a:extLst>
+              <a:ext uri="{FF2B5EF4-FFF2-40B4-BE49-F238E27FC236}">
+                <a16:creationId xmlns:a16="http://schemas.microsoft.com/office/drawing/2014/main" id="{C9631971-9DAE-4A2B-937C-9C37F7312F3A}"/>
+              </a:ext>
+            </a:extLst>
+          </p:cNvPr>
+          <p:cNvCxnSpPr>
+            <a:cxnSpLocks/>
+          </p:cNvCxnSpPr>
+          <p:nvPr/>
+        </p:nvCxnSpPr>
+        <p:spPr>
+          <a:xfrm flipH="1">
+            <a:off x="1327196" y="3763271"/>
+            <a:ext cx="3956947" cy="91483"/>
+          </a:xfrm>
+          <a:prstGeom prst="line">
+            <a:avLst/>
+          </a:prstGeom>
+          <a:ln w="57150">
+            <a:solidFill>
+              <a:schemeClr val="accent1">
+                <a:lumMod val="60000"/>
+                <a:lumOff val="40000"/>
+              </a:schemeClr>
+            </a:solidFill>
+          </a:ln>
+        </p:spPr>
+        <p:style>
+          <a:lnRef idx="1">
+            <a:schemeClr val="accent1"/>
+          </a:lnRef>
+          <a:fillRef idx="0">
+            <a:schemeClr val="accent1"/>
+          </a:fillRef>
+          <a:effectRef idx="0">
+            <a:schemeClr val="accent1"/>
+          </a:effectRef>
+          <a:fontRef idx="minor">
+            <a:schemeClr val="tx1"/>
+          </a:fontRef>
+        </p:style>
+      </p:cxnSp>
+      <p:cxnSp>
+        <p:nvCxnSpPr>
+          <p:cNvPr id="55" name="直線コネクタ 54">
+            <a:extLst>
+              <a:ext uri="{FF2B5EF4-FFF2-40B4-BE49-F238E27FC236}">
+                <a16:creationId xmlns:a16="http://schemas.microsoft.com/office/drawing/2014/main" id="{B7B49D8B-23FA-4036-B86B-C4DB8835E71F}"/>
+              </a:ext>
+            </a:extLst>
+          </p:cNvPr>
+          <p:cNvCxnSpPr>
+            <a:cxnSpLocks/>
+          </p:cNvCxnSpPr>
+          <p:nvPr/>
+        </p:nvCxnSpPr>
+        <p:spPr>
+          <a:xfrm flipH="1">
+            <a:off x="1309795" y="4514486"/>
+            <a:ext cx="4188892" cy="117097"/>
+          </a:xfrm>
+          <a:prstGeom prst="line">
+            <a:avLst/>
+          </a:prstGeom>
+          <a:ln w="57150">
+            <a:solidFill>
+              <a:schemeClr val="accent1">
+                <a:lumMod val="60000"/>
+                <a:lumOff val="40000"/>
+              </a:schemeClr>
+            </a:solidFill>
+          </a:ln>
+        </p:spPr>
+        <p:style>
+          <a:lnRef idx="1">
+            <a:schemeClr val="accent1"/>
+          </a:lnRef>
+          <a:fillRef idx="0">
+            <a:schemeClr val="accent1"/>
+          </a:fillRef>
+          <a:effectRef idx="0">
+            <a:schemeClr val="accent1"/>
+          </a:effectRef>
+          <a:fontRef idx="minor">
+            <a:schemeClr val="tx1"/>
+          </a:fontRef>
+        </p:style>
+      </p:cxnSp>
+      <p:cxnSp>
+        <p:nvCxnSpPr>
+          <p:cNvPr id="58" name="直線コネクタ 57">
+            <a:extLst>
+              <a:ext uri="{FF2B5EF4-FFF2-40B4-BE49-F238E27FC236}">
+                <a16:creationId xmlns:a16="http://schemas.microsoft.com/office/drawing/2014/main" id="{57DCD447-AB07-4F0C-B446-56BD040E23EE}"/>
+              </a:ext>
+            </a:extLst>
+          </p:cNvPr>
+          <p:cNvCxnSpPr>
+            <a:cxnSpLocks/>
+          </p:cNvCxnSpPr>
+          <p:nvPr/>
+        </p:nvCxnSpPr>
+        <p:spPr>
+          <a:xfrm flipH="1">
+            <a:off x="1317884" y="5379304"/>
+            <a:ext cx="4262784" cy="121334"/>
+          </a:xfrm>
+          <a:prstGeom prst="line">
+            <a:avLst/>
+          </a:prstGeom>
+          <a:ln w="57150">
+            <a:solidFill>
+              <a:schemeClr val="accent1">
+                <a:lumMod val="60000"/>
+                <a:lumOff val="40000"/>
+              </a:schemeClr>
+            </a:solidFill>
+          </a:ln>
+        </p:spPr>
+        <p:style>
+          <a:lnRef idx="1">
+            <a:schemeClr val="accent1"/>
+          </a:lnRef>
+          <a:fillRef idx="0">
+            <a:schemeClr val="accent1"/>
+          </a:fillRef>
+          <a:effectRef idx="0">
+            <a:schemeClr val="accent1"/>
+          </a:effectRef>
+          <a:fontRef idx="minor">
+            <a:schemeClr val="tx1"/>
+          </a:fontRef>
+        </p:style>
+      </p:cxnSp>
+      <p:cxnSp>
+        <p:nvCxnSpPr>
+          <p:cNvPr id="60" name="直線コネクタ 59">
+            <a:extLst>
+              <a:ext uri="{FF2B5EF4-FFF2-40B4-BE49-F238E27FC236}">
+                <a16:creationId xmlns:a16="http://schemas.microsoft.com/office/drawing/2014/main" id="{C5740654-753B-4494-B622-F1E442D7947C}"/>
+              </a:ext>
+            </a:extLst>
+          </p:cNvPr>
+          <p:cNvCxnSpPr>
+            <a:cxnSpLocks/>
+          </p:cNvCxnSpPr>
+          <p:nvPr/>
+        </p:nvCxnSpPr>
+        <p:spPr>
+          <a:xfrm flipV="1">
+            <a:off x="5284143" y="1762813"/>
+            <a:ext cx="58852" cy="2000458"/>
+          </a:xfrm>
+          <a:prstGeom prst="line">
+            <a:avLst/>
+          </a:prstGeom>
+          <a:ln w="57150">
+            <a:solidFill>
+              <a:schemeClr val="accent1">
+                <a:lumMod val="60000"/>
+                <a:lumOff val="40000"/>
+              </a:schemeClr>
+            </a:solidFill>
+          </a:ln>
+        </p:spPr>
+        <p:style>
+          <a:lnRef idx="1">
+            <a:schemeClr val="accent1"/>
+          </a:lnRef>
+          <a:fillRef idx="0">
+            <a:schemeClr val="accent1"/>
+          </a:fillRef>
+          <a:effectRef idx="0">
+            <a:schemeClr val="accent1"/>
+          </a:effectRef>
+          <a:fontRef idx="minor">
+            <a:schemeClr val="tx1"/>
+          </a:fontRef>
+        </p:style>
+      </p:cxnSp>
+      <p:cxnSp>
+        <p:nvCxnSpPr>
+          <p:cNvPr id="63" name="直線コネクタ 62">
+            <a:extLst>
+              <a:ext uri="{FF2B5EF4-FFF2-40B4-BE49-F238E27FC236}">
+                <a16:creationId xmlns:a16="http://schemas.microsoft.com/office/drawing/2014/main" id="{84E68BCD-16FE-4827-99A2-C4F79EA80E11}"/>
+              </a:ext>
+            </a:extLst>
+          </p:cNvPr>
+          <p:cNvCxnSpPr>
+            <a:cxnSpLocks/>
+          </p:cNvCxnSpPr>
+          <p:nvPr/>
+        </p:nvCxnSpPr>
+        <p:spPr>
+          <a:xfrm flipH="1">
+            <a:off x="5342996" y="1762813"/>
+            <a:ext cx="2791574" cy="0"/>
+          </a:xfrm>
+          <a:prstGeom prst="line">
+            <a:avLst/>
+          </a:prstGeom>
+          <a:ln w="57150">
+            <a:solidFill>
+              <a:schemeClr val="tx1"/>
+            </a:solidFill>
+          </a:ln>
+        </p:spPr>
+        <p:style>
+          <a:lnRef idx="1">
+            <a:schemeClr val="accent1"/>
+          </a:lnRef>
+          <a:fillRef idx="0">
+            <a:schemeClr val="accent1"/>
+          </a:fillRef>
+          <a:effectRef idx="0">
+            <a:schemeClr val="accent1"/>
+          </a:effectRef>
+          <a:fontRef idx="minor">
+            <a:schemeClr val="tx1"/>
+          </a:fontRef>
+        </p:style>
+      </p:cxnSp>
+      <p:cxnSp>
+        <p:nvCxnSpPr>
+          <p:cNvPr id="66" name="直線コネクタ 65">
+            <a:extLst>
+              <a:ext uri="{FF2B5EF4-FFF2-40B4-BE49-F238E27FC236}">
+                <a16:creationId xmlns:a16="http://schemas.microsoft.com/office/drawing/2014/main" id="{18693C05-7E0C-4FA9-9CD6-744124FFB868}"/>
+              </a:ext>
+            </a:extLst>
+          </p:cNvPr>
+          <p:cNvCxnSpPr>
+            <a:cxnSpLocks/>
+          </p:cNvCxnSpPr>
+          <p:nvPr/>
+        </p:nvCxnSpPr>
+        <p:spPr>
+          <a:xfrm>
+            <a:off x="8134570" y="885687"/>
+            <a:ext cx="0" cy="877126"/>
+          </a:xfrm>
+          <a:prstGeom prst="line">
+            <a:avLst/>
+          </a:prstGeom>
+          <a:ln w="57150">
+            <a:solidFill>
+              <a:schemeClr val="tx1"/>
+            </a:solidFill>
+          </a:ln>
+        </p:spPr>
+        <p:style>
+          <a:lnRef idx="1">
+            <a:schemeClr val="accent1"/>
+          </a:lnRef>
+          <a:fillRef idx="0">
+            <a:schemeClr val="accent1"/>
+          </a:fillRef>
+          <a:effectRef idx="0">
+            <a:schemeClr val="accent1"/>
+          </a:effectRef>
+          <a:fontRef idx="minor">
+            <a:schemeClr val="tx1"/>
+          </a:fontRef>
+        </p:style>
+      </p:cxnSp>
+      <p:cxnSp>
+        <p:nvCxnSpPr>
+          <p:cNvPr id="45" name="直線コネクタ 44">
+            <a:extLst>
+              <a:ext uri="{FF2B5EF4-FFF2-40B4-BE49-F238E27FC236}">
+                <a16:creationId xmlns:a16="http://schemas.microsoft.com/office/drawing/2014/main" id="{7F32716E-BCD0-4F2C-BD94-DB18944415CD}"/>
+              </a:ext>
+            </a:extLst>
+          </p:cNvPr>
+          <p:cNvCxnSpPr>
+            <a:cxnSpLocks/>
+          </p:cNvCxnSpPr>
+          <p:nvPr/>
+        </p:nvCxnSpPr>
+        <p:spPr>
+          <a:xfrm flipH="1">
+            <a:off x="5472422" y="2465416"/>
+            <a:ext cx="52530" cy="2100364"/>
+          </a:xfrm>
+          <a:prstGeom prst="line">
+            <a:avLst/>
+          </a:prstGeom>
+          <a:ln w="57150">
+            <a:solidFill>
+              <a:schemeClr val="accent1">
+                <a:lumMod val="60000"/>
+                <a:lumOff val="40000"/>
+              </a:schemeClr>
+            </a:solidFill>
+          </a:ln>
+        </p:spPr>
+        <p:style>
+          <a:lnRef idx="1">
+            <a:schemeClr val="accent1"/>
+          </a:lnRef>
+          <a:fillRef idx="0">
+            <a:schemeClr val="accent1"/>
+          </a:fillRef>
+          <a:effectRef idx="0">
+            <a:schemeClr val="accent1"/>
+          </a:effectRef>
+          <a:fontRef idx="minor">
+            <a:schemeClr val="tx1"/>
+          </a:fontRef>
+        </p:style>
+      </p:cxnSp>
+      <p:cxnSp>
+        <p:nvCxnSpPr>
+          <p:cNvPr id="47" name="直線コネクタ 46">
+            <a:extLst>
+              <a:ext uri="{FF2B5EF4-FFF2-40B4-BE49-F238E27FC236}">
+                <a16:creationId xmlns:a16="http://schemas.microsoft.com/office/drawing/2014/main" id="{C3BD28C3-D399-4B4A-BF6B-A9979C176D9F}"/>
+              </a:ext>
+            </a:extLst>
+          </p:cNvPr>
+          <p:cNvCxnSpPr>
+            <a:cxnSpLocks/>
+          </p:cNvCxnSpPr>
+          <p:nvPr/>
+        </p:nvCxnSpPr>
+        <p:spPr>
+          <a:xfrm flipH="1">
+            <a:off x="6766712" y="2205454"/>
+            <a:ext cx="1269098" cy="0"/>
+          </a:xfrm>
+          <a:prstGeom prst="line">
+            <a:avLst/>
+          </a:prstGeom>
+          <a:ln w="57150">
+            <a:solidFill>
+              <a:schemeClr val="accent1">
+                <a:lumMod val="60000"/>
+                <a:lumOff val="40000"/>
+              </a:schemeClr>
+            </a:solidFill>
+          </a:ln>
+        </p:spPr>
+        <p:style>
+          <a:lnRef idx="1">
+            <a:schemeClr val="accent1"/>
+          </a:lnRef>
+          <a:fillRef idx="0">
+            <a:schemeClr val="accent1"/>
+          </a:fillRef>
+          <a:effectRef idx="0">
+            <a:schemeClr val="accent1"/>
+          </a:effectRef>
+          <a:fontRef idx="minor">
+            <a:schemeClr val="tx1"/>
+          </a:fontRef>
+        </p:style>
+      </p:cxnSp>
+      <p:cxnSp>
+        <p:nvCxnSpPr>
+          <p:cNvPr id="51" name="直線コネクタ 50">
+            <a:extLst>
+              <a:ext uri="{FF2B5EF4-FFF2-40B4-BE49-F238E27FC236}">
+                <a16:creationId xmlns:a16="http://schemas.microsoft.com/office/drawing/2014/main" id="{A899DC2A-EBC1-462A-9D3F-ADC94510DC70}"/>
+              </a:ext>
+            </a:extLst>
+          </p:cNvPr>
+          <p:cNvCxnSpPr>
+            <a:cxnSpLocks/>
+          </p:cNvCxnSpPr>
+          <p:nvPr/>
+        </p:nvCxnSpPr>
+        <p:spPr>
+          <a:xfrm>
+            <a:off x="8037911" y="2205454"/>
+            <a:ext cx="0" cy="654432"/>
+          </a:xfrm>
+          <a:prstGeom prst="line">
+            <a:avLst/>
+          </a:prstGeom>
+          <a:ln w="57150">
+            <a:solidFill>
+              <a:schemeClr val="accent1">
+                <a:lumMod val="60000"/>
+                <a:lumOff val="40000"/>
+              </a:schemeClr>
+            </a:solidFill>
+          </a:ln>
+        </p:spPr>
+        <p:style>
+          <a:lnRef idx="1">
+            <a:schemeClr val="accent1"/>
+          </a:lnRef>
+          <a:fillRef idx="0">
+            <a:schemeClr val="accent1"/>
+          </a:fillRef>
+          <a:effectRef idx="0">
+            <a:schemeClr val="accent1"/>
+          </a:effectRef>
+          <a:fontRef idx="minor">
+            <a:schemeClr val="tx1"/>
+          </a:fontRef>
+        </p:style>
+      </p:cxnSp>
+      <p:cxnSp>
+        <p:nvCxnSpPr>
+          <p:cNvPr id="54" name="直線コネクタ 53">
+            <a:extLst>
+              <a:ext uri="{FF2B5EF4-FFF2-40B4-BE49-F238E27FC236}">
+                <a16:creationId xmlns:a16="http://schemas.microsoft.com/office/drawing/2014/main" id="{C25174F1-D1D8-4086-B1D9-67E57EDA998B}"/>
+              </a:ext>
+            </a:extLst>
+          </p:cNvPr>
+          <p:cNvCxnSpPr>
+            <a:cxnSpLocks/>
+          </p:cNvCxnSpPr>
+          <p:nvPr/>
+        </p:nvCxnSpPr>
+        <p:spPr>
+          <a:xfrm flipH="1" flipV="1">
+            <a:off x="6536217" y="1360444"/>
+            <a:ext cx="230495" cy="845010"/>
+          </a:xfrm>
+          <a:prstGeom prst="line">
+            <a:avLst/>
+          </a:prstGeom>
+          <a:ln w="57150">
+            <a:solidFill>
+              <a:schemeClr val="accent1">
+                <a:lumMod val="60000"/>
+                <a:lumOff val="40000"/>
+              </a:schemeClr>
+            </a:solidFill>
+          </a:ln>
+        </p:spPr>
+        <p:style>
+          <a:lnRef idx="1">
+            <a:schemeClr val="accent1"/>
+          </a:lnRef>
+          <a:fillRef idx="0">
+            <a:schemeClr val="accent1"/>
+          </a:fillRef>
+          <a:effectRef idx="0">
+            <a:schemeClr val="accent1"/>
+          </a:effectRef>
+          <a:fontRef idx="minor">
+            <a:schemeClr val="tx1"/>
+          </a:fontRef>
+        </p:style>
+      </p:cxnSp>
+      <p:cxnSp>
+        <p:nvCxnSpPr>
+          <p:cNvPr id="56" name="直線コネクタ 55">
+            <a:extLst>
+              <a:ext uri="{FF2B5EF4-FFF2-40B4-BE49-F238E27FC236}">
+                <a16:creationId xmlns:a16="http://schemas.microsoft.com/office/drawing/2014/main" id="{235F481A-4C61-45A0-B126-CB0C1A7D838C}"/>
+              </a:ext>
+            </a:extLst>
+          </p:cNvPr>
+          <p:cNvCxnSpPr>
+            <a:cxnSpLocks/>
+          </p:cNvCxnSpPr>
+          <p:nvPr/>
+        </p:nvCxnSpPr>
+        <p:spPr>
+          <a:xfrm flipH="1">
+            <a:off x="5482044" y="2465416"/>
+            <a:ext cx="2238509" cy="0"/>
+          </a:xfrm>
+          <a:prstGeom prst="line">
+            <a:avLst/>
+          </a:prstGeom>
+          <a:ln w="57150">
+            <a:solidFill>
+              <a:schemeClr val="tx1"/>
+            </a:solidFill>
+          </a:ln>
+        </p:spPr>
+        <p:style>
+          <a:lnRef idx="1">
+            <a:schemeClr val="accent1"/>
+          </a:lnRef>
+          <a:fillRef idx="0">
+            <a:schemeClr val="accent1"/>
+          </a:fillRef>
+          <a:effectRef idx="0">
+            <a:schemeClr val="accent1"/>
+          </a:effectRef>
+          <a:fontRef idx="minor">
+            <a:schemeClr val="tx1"/>
+          </a:fontRef>
+        </p:style>
+      </p:cxnSp>
+      <p:cxnSp>
+        <p:nvCxnSpPr>
+          <p:cNvPr id="61" name="直線コネクタ 60">
+            <a:extLst>
+              <a:ext uri="{FF2B5EF4-FFF2-40B4-BE49-F238E27FC236}">
+                <a16:creationId xmlns:a16="http://schemas.microsoft.com/office/drawing/2014/main" id="{747C3A76-B35F-47DF-8448-324C0CA64629}"/>
+              </a:ext>
+            </a:extLst>
+          </p:cNvPr>
+          <p:cNvCxnSpPr>
+            <a:cxnSpLocks/>
+          </p:cNvCxnSpPr>
+          <p:nvPr/>
+        </p:nvCxnSpPr>
+        <p:spPr>
+          <a:xfrm flipH="1" flipV="1">
+            <a:off x="7714984" y="2446633"/>
+            <a:ext cx="33344" cy="390152"/>
+          </a:xfrm>
+          <a:prstGeom prst="line">
+            <a:avLst/>
+          </a:prstGeom>
+          <a:ln w="57150">
+            <a:solidFill>
+              <a:schemeClr val="tx1"/>
+            </a:solidFill>
+          </a:ln>
+        </p:spPr>
+        <p:style>
+          <a:lnRef idx="1">
+            <a:schemeClr val="accent1"/>
+          </a:lnRef>
+          <a:fillRef idx="0">
+            <a:schemeClr val="accent1"/>
+          </a:fillRef>
+          <a:effectRef idx="0">
+            <a:schemeClr val="accent1"/>
+          </a:effectRef>
+          <a:fontRef idx="minor">
+            <a:schemeClr val="tx1"/>
+          </a:fontRef>
+        </p:style>
+      </p:cxnSp>
+      <p:sp>
+        <p:nvSpPr>
+          <p:cNvPr id="64" name="楕円 63">
+            <a:extLst>
+              <a:ext uri="{FF2B5EF4-FFF2-40B4-BE49-F238E27FC236}">
+                <a16:creationId xmlns:a16="http://schemas.microsoft.com/office/drawing/2014/main" id="{DDE14227-C5B7-4890-B8D1-DB244C7E511C}"/>
+              </a:ext>
+            </a:extLst>
+          </p:cNvPr>
+          <p:cNvSpPr/>
+          <p:nvPr/>
+        </p:nvSpPr>
+        <p:spPr>
+          <a:xfrm flipV="1">
+            <a:off x="5461779" y="2374428"/>
+            <a:ext cx="176092" cy="182966"/>
+          </a:xfrm>
+          <a:prstGeom prst="ellipse">
+            <a:avLst/>
+          </a:prstGeom>
+          <a:solidFill>
+            <a:schemeClr val="tx1"/>
+          </a:solidFill>
+          <a:ln w="28575">
+            <a:noFill/>
+          </a:ln>
+        </p:spPr>
+        <p:style>
+          <a:lnRef idx="2">
+            <a:schemeClr val="accent1">
+              <a:shade val="50000"/>
+            </a:schemeClr>
+          </a:lnRef>
+          <a:fillRef idx="1">
+            <a:schemeClr val="accent1"/>
+          </a:fillRef>
+          <a:effectRef idx="0">
+            <a:schemeClr val="accent1"/>
+          </a:effectRef>
+          <a:fontRef idx="minor">
+            <a:schemeClr val="lt1"/>
+          </a:fontRef>
+        </p:style>
+        <p:txBody>
+          <a:bodyPr rtlCol="0" anchor="ctr"/>
+          <a:lstStyle/>
+          <a:p>
+            <a:pPr algn="ctr"/>
+            <a:endParaRPr kumimoji="1" lang="ja-JP" altLang="en-US"/>
+          </a:p>
+        </p:txBody>
+      </p:sp>
+      <p:cxnSp>
+        <p:nvCxnSpPr>
+          <p:cNvPr id="67" name="直線コネクタ 66">
+            <a:extLst>
+              <a:ext uri="{FF2B5EF4-FFF2-40B4-BE49-F238E27FC236}">
+                <a16:creationId xmlns:a16="http://schemas.microsoft.com/office/drawing/2014/main" id="{897BA84A-31ED-4424-9EEB-3E0CF754A490}"/>
+              </a:ext>
+            </a:extLst>
+          </p:cNvPr>
+          <p:cNvCxnSpPr>
+            <a:cxnSpLocks/>
+          </p:cNvCxnSpPr>
+          <p:nvPr/>
+        </p:nvCxnSpPr>
+        <p:spPr>
+          <a:xfrm flipH="1">
+            <a:off x="5580668" y="2646714"/>
+            <a:ext cx="134290" cy="2731157"/>
+          </a:xfrm>
+          <a:prstGeom prst="line">
+            <a:avLst/>
+          </a:prstGeom>
+          <a:ln w="57150">
+            <a:solidFill>
+              <a:schemeClr val="accent1">
+                <a:lumMod val="60000"/>
+                <a:lumOff val="40000"/>
+              </a:schemeClr>
+            </a:solidFill>
+          </a:ln>
+        </p:spPr>
+        <p:style>
+          <a:lnRef idx="1">
+            <a:schemeClr val="accent1"/>
+          </a:lnRef>
+          <a:fillRef idx="0">
+            <a:schemeClr val="accent1"/>
+          </a:fillRef>
+          <a:effectRef idx="0">
+            <a:schemeClr val="accent1"/>
+          </a:effectRef>
+          <a:fontRef idx="minor">
+            <a:schemeClr val="tx1"/>
+          </a:fontRef>
+        </p:style>
+      </p:cxnSp>
+      <p:cxnSp>
+        <p:nvCxnSpPr>
+          <p:cNvPr id="68" name="直線コネクタ 67">
+            <a:extLst>
+              <a:ext uri="{FF2B5EF4-FFF2-40B4-BE49-F238E27FC236}">
+                <a16:creationId xmlns:a16="http://schemas.microsoft.com/office/drawing/2014/main" id="{0DA4CA63-55EC-4D11-B60D-4E8427122EE6}"/>
+              </a:ext>
+            </a:extLst>
+          </p:cNvPr>
+          <p:cNvCxnSpPr>
+            <a:cxnSpLocks/>
+          </p:cNvCxnSpPr>
+          <p:nvPr/>
+        </p:nvCxnSpPr>
+        <p:spPr>
+          <a:xfrm flipH="1">
+            <a:off x="5714959" y="2665936"/>
+            <a:ext cx="590880" cy="0"/>
+          </a:xfrm>
+          <a:prstGeom prst="line">
+            <a:avLst/>
+          </a:prstGeom>
+          <a:ln w="57150">
+            <a:solidFill>
+              <a:schemeClr val="tx1"/>
+            </a:solidFill>
+          </a:ln>
+        </p:spPr>
+        <p:style>
+          <a:lnRef idx="1">
+            <a:schemeClr val="accent1"/>
+          </a:lnRef>
+          <a:fillRef idx="0">
+            <a:schemeClr val="accent1"/>
+          </a:fillRef>
+          <a:effectRef idx="0">
+            <a:schemeClr val="accent1"/>
+          </a:effectRef>
+          <a:fontRef idx="minor">
+            <a:schemeClr val="tx1"/>
+          </a:fontRef>
+        </p:style>
+      </p:cxnSp>
+      <p:cxnSp>
+        <p:nvCxnSpPr>
+          <p:cNvPr id="69" name="直線コネクタ 68">
+            <a:extLst>
+              <a:ext uri="{FF2B5EF4-FFF2-40B4-BE49-F238E27FC236}">
+                <a16:creationId xmlns:a16="http://schemas.microsoft.com/office/drawing/2014/main" id="{008D2EFB-62BA-4CD7-912E-336CEC12AECA}"/>
+              </a:ext>
+            </a:extLst>
+          </p:cNvPr>
+          <p:cNvCxnSpPr>
+            <a:cxnSpLocks/>
+          </p:cNvCxnSpPr>
+          <p:nvPr/>
+        </p:nvCxnSpPr>
+        <p:spPr>
+          <a:xfrm flipV="1">
+            <a:off x="6111521" y="2679138"/>
+            <a:ext cx="161618" cy="3110024"/>
+          </a:xfrm>
+          <a:prstGeom prst="line">
+            <a:avLst/>
+          </a:prstGeom>
+          <a:ln w="57150">
+            <a:solidFill>
+              <a:schemeClr val="tx1"/>
+            </a:solidFill>
+          </a:ln>
+        </p:spPr>
+        <p:style>
+          <a:lnRef idx="1">
+            <a:schemeClr val="accent1"/>
+          </a:lnRef>
+          <a:fillRef idx="0">
+            <a:schemeClr val="accent1"/>
+          </a:fillRef>
+          <a:effectRef idx="0">
+            <a:schemeClr val="accent1"/>
+          </a:effectRef>
+          <a:fontRef idx="minor">
+            <a:schemeClr val="tx1"/>
+          </a:fontRef>
+        </p:style>
+      </p:cxnSp>
+      <p:sp>
+        <p:nvSpPr>
+          <p:cNvPr id="70" name="楕円 69">
+            <a:extLst>
+              <a:ext uri="{FF2B5EF4-FFF2-40B4-BE49-F238E27FC236}">
+                <a16:creationId xmlns:a16="http://schemas.microsoft.com/office/drawing/2014/main" id="{C69486FF-A437-49ED-B560-7FBA043E8933}"/>
+              </a:ext>
+            </a:extLst>
+          </p:cNvPr>
+          <p:cNvSpPr/>
+          <p:nvPr/>
+        </p:nvSpPr>
+        <p:spPr>
+          <a:xfrm flipV="1">
+            <a:off x="5271476" y="1670614"/>
+            <a:ext cx="176092" cy="182966"/>
+          </a:xfrm>
+          <a:prstGeom prst="ellipse">
+            <a:avLst/>
+          </a:prstGeom>
+          <a:solidFill>
+            <a:schemeClr val="tx1"/>
+          </a:solidFill>
+          <a:ln w="28575">
+            <a:noFill/>
+          </a:ln>
+        </p:spPr>
+        <p:style>
+          <a:lnRef idx="2">
+            <a:schemeClr val="accent1">
+              <a:shade val="50000"/>
+            </a:schemeClr>
+          </a:lnRef>
+          <a:fillRef idx="1">
+            <a:schemeClr val="accent1"/>
+          </a:fillRef>
+          <a:effectRef idx="0">
+            <a:schemeClr val="accent1"/>
+          </a:effectRef>
+          <a:fontRef idx="minor">
+            <a:schemeClr val="lt1"/>
+          </a:fontRef>
+        </p:style>
+        <p:txBody>
+          <a:bodyPr rtlCol="0" anchor="ctr"/>
+          <a:lstStyle/>
+          <a:p>
+            <a:pPr algn="ctr"/>
+            <a:endParaRPr kumimoji="1" lang="ja-JP" altLang="en-US"/>
+          </a:p>
+        </p:txBody>
+      </p:sp>
+      <p:sp>
+        <p:nvSpPr>
+          <p:cNvPr id="71" name="楕円 70">
+            <a:extLst>
+              <a:ext uri="{FF2B5EF4-FFF2-40B4-BE49-F238E27FC236}">
+                <a16:creationId xmlns:a16="http://schemas.microsoft.com/office/drawing/2014/main" id="{446C56B6-6E25-4483-9951-4D2DDD458F91}"/>
+              </a:ext>
+            </a:extLst>
+          </p:cNvPr>
+          <p:cNvSpPr/>
+          <p:nvPr/>
+        </p:nvSpPr>
+        <p:spPr>
+          <a:xfrm flipV="1">
+            <a:off x="5651512" y="2625152"/>
+            <a:ext cx="176092" cy="182966"/>
+          </a:xfrm>
+          <a:prstGeom prst="ellipse">
+            <a:avLst/>
+          </a:prstGeom>
+          <a:solidFill>
+            <a:schemeClr val="tx1"/>
+          </a:solidFill>
+          <a:ln w="28575">
+            <a:noFill/>
+          </a:ln>
+        </p:spPr>
+        <p:style>
+          <a:lnRef idx="2">
+            <a:schemeClr val="accent1">
+              <a:shade val="50000"/>
+            </a:schemeClr>
+          </a:lnRef>
+          <a:fillRef idx="1">
+            <a:schemeClr val="accent1"/>
+          </a:fillRef>
+          <a:effectRef idx="0">
+            <a:schemeClr val="accent1"/>
+          </a:effectRef>
+          <a:fontRef idx="minor">
+            <a:schemeClr val="lt1"/>
+          </a:fontRef>
+        </p:style>
+        <p:txBody>
+          <a:bodyPr rtlCol="0" anchor="ctr"/>
+          <a:lstStyle/>
+          <a:p>
+            <a:pPr algn="ctr"/>
+            <a:endParaRPr kumimoji="1" lang="ja-JP" altLang="en-US"/>
+          </a:p>
+        </p:txBody>
+      </p:sp>
+      <p:sp>
+        <p:nvSpPr>
+          <p:cNvPr id="72" name="テキスト ボックス 71">
+            <a:extLst>
+              <a:ext uri="{FF2B5EF4-FFF2-40B4-BE49-F238E27FC236}">
+                <a16:creationId xmlns:a16="http://schemas.microsoft.com/office/drawing/2014/main" id="{76AC75AB-99A4-4516-9C85-7E806EFA06CA}"/>
+              </a:ext>
+            </a:extLst>
+          </p:cNvPr>
+          <p:cNvSpPr txBox="1"/>
+          <p:nvPr/>
+        </p:nvSpPr>
+        <p:spPr>
+          <a:xfrm>
+            <a:off x="6620038" y="3705738"/>
+            <a:ext cx="1415772" cy="461665"/>
+          </a:xfrm>
+          <a:prstGeom prst="rect">
+            <a:avLst/>
+          </a:prstGeom>
+          <a:noFill/>
+        </p:spPr>
+        <p:txBody>
+          <a:bodyPr wrap="none" rtlCol="0">
+            <a:spAutoFit/>
+          </a:bodyPr>
+          <a:lstStyle/>
+          <a:p>
+            <a:r>
+              <a:rPr lang="ja-JP" altLang="en-US" sz="2400" b="1" dirty="0">
+                <a:solidFill>
+                  <a:srgbClr val="FF0000"/>
+                </a:solidFill>
+                <a:latin typeface="Georgia" panose="02040502050405020303" pitchFamily="18" charset="0"/>
+              </a:rPr>
+              <a:t>刻印：○</a:t>
+            </a:r>
+            <a:endParaRPr kumimoji="1" lang="ja-JP" altLang="en-US" sz="2400" b="1" dirty="0">
+              <a:solidFill>
+                <a:srgbClr val="FF0000"/>
+              </a:solidFill>
+              <a:latin typeface="Georgia" panose="02040502050405020303" pitchFamily="18" charset="0"/>
+            </a:endParaRPr>
+          </a:p>
+        </p:txBody>
+      </p:sp>
+      <p:cxnSp>
+        <p:nvCxnSpPr>
+          <p:cNvPr id="73" name="直線矢印コネクタ 72">
+            <a:extLst>
+              <a:ext uri="{FF2B5EF4-FFF2-40B4-BE49-F238E27FC236}">
+                <a16:creationId xmlns:a16="http://schemas.microsoft.com/office/drawing/2014/main" id="{810D1FAA-1DCC-458B-A204-20458F4B0672}"/>
+              </a:ext>
+            </a:extLst>
+          </p:cNvPr>
+          <p:cNvCxnSpPr>
+            <a:cxnSpLocks/>
+          </p:cNvCxnSpPr>
+          <p:nvPr/>
+        </p:nvCxnSpPr>
+        <p:spPr>
+          <a:xfrm flipH="1" flipV="1">
+            <a:off x="5847584" y="2877223"/>
+            <a:ext cx="822955" cy="822519"/>
+          </a:xfrm>
+          <a:prstGeom prst="straightConnector1">
+            <a:avLst/>
+          </a:prstGeom>
+          <a:ln w="38100">
+            <a:solidFill>
+              <a:srgbClr val="FF0000"/>
+            </a:solidFill>
+            <a:tailEnd type="triangle"/>
+          </a:ln>
+        </p:spPr>
+        <p:style>
+          <a:lnRef idx="3">
+            <a:schemeClr val="dk1"/>
+          </a:lnRef>
+          <a:fillRef idx="0">
+            <a:schemeClr val="dk1"/>
+          </a:fillRef>
+          <a:effectRef idx="2">
+            <a:schemeClr val="dk1"/>
+          </a:effectRef>
+          <a:fontRef idx="minor">
+            <a:schemeClr val="tx1"/>
+          </a:fontRef>
+        </p:style>
+      </p:cxnSp>
+      <p:cxnSp>
+        <p:nvCxnSpPr>
+          <p:cNvPr id="74" name="直線矢印コネクタ 73">
+            <a:extLst>
+              <a:ext uri="{FF2B5EF4-FFF2-40B4-BE49-F238E27FC236}">
+                <a16:creationId xmlns:a16="http://schemas.microsoft.com/office/drawing/2014/main" id="{567BD7E9-AECA-4DDA-9F26-38943C7EE000}"/>
+              </a:ext>
+            </a:extLst>
+          </p:cNvPr>
+          <p:cNvCxnSpPr>
+            <a:cxnSpLocks/>
+          </p:cNvCxnSpPr>
+          <p:nvPr/>
+        </p:nvCxnSpPr>
+        <p:spPr>
+          <a:xfrm flipH="1" flipV="1">
+            <a:off x="5743706" y="2528156"/>
+            <a:ext cx="1045026" cy="1060466"/>
+          </a:xfrm>
+          <a:prstGeom prst="straightConnector1">
+            <a:avLst/>
+          </a:prstGeom>
+          <a:ln w="38100">
+            <a:solidFill>
+              <a:srgbClr val="FF0000"/>
+            </a:solidFill>
+            <a:tailEnd type="triangle"/>
+          </a:ln>
+        </p:spPr>
+        <p:style>
+          <a:lnRef idx="3">
+            <a:schemeClr val="dk1"/>
+          </a:lnRef>
+          <a:fillRef idx="0">
+            <a:schemeClr val="dk1"/>
+          </a:fillRef>
+          <a:effectRef idx="2">
+            <a:schemeClr val="dk1"/>
+          </a:effectRef>
+          <a:fontRef idx="minor">
+            <a:schemeClr val="tx1"/>
+          </a:fontRef>
+        </p:style>
+      </p:cxnSp>
+      <p:cxnSp>
+        <p:nvCxnSpPr>
+          <p:cNvPr id="77" name="直線矢印コネクタ 76">
+            <a:extLst>
+              <a:ext uri="{FF2B5EF4-FFF2-40B4-BE49-F238E27FC236}">
+                <a16:creationId xmlns:a16="http://schemas.microsoft.com/office/drawing/2014/main" id="{7CB974CA-4716-4391-ACA2-3BD889D155F0}"/>
+              </a:ext>
+            </a:extLst>
+          </p:cNvPr>
+          <p:cNvCxnSpPr>
+            <a:cxnSpLocks/>
+          </p:cNvCxnSpPr>
+          <p:nvPr/>
+        </p:nvCxnSpPr>
+        <p:spPr>
+          <a:xfrm flipH="1" flipV="1">
+            <a:off x="5527053" y="1888043"/>
+            <a:ext cx="1406851" cy="1634231"/>
+          </a:xfrm>
+          <a:prstGeom prst="straightConnector1">
+            <a:avLst/>
+          </a:prstGeom>
+          <a:ln w="38100">
+            <a:solidFill>
+              <a:srgbClr val="FF0000"/>
+            </a:solidFill>
+            <a:tailEnd type="triangle"/>
+          </a:ln>
+        </p:spPr>
+        <p:style>
+          <a:lnRef idx="3">
+            <a:schemeClr val="dk1"/>
+          </a:lnRef>
+          <a:fillRef idx="0">
+            <a:schemeClr val="dk1"/>
+          </a:fillRef>
+          <a:effectRef idx="2">
+            <a:schemeClr val="dk1"/>
+          </a:effectRef>
+          <a:fontRef idx="minor">
+            <a:schemeClr val="tx1"/>
+          </a:fontRef>
+        </p:style>
+      </p:cxnSp>
+      <p:sp>
+        <p:nvSpPr>
+          <p:cNvPr id="78" name="テキスト ボックス 77">
+            <a:extLst>
+              <a:ext uri="{FF2B5EF4-FFF2-40B4-BE49-F238E27FC236}">
+                <a16:creationId xmlns:a16="http://schemas.microsoft.com/office/drawing/2014/main" id="{EE0A1CEC-3779-409B-851E-458C6F30AF98}"/>
+              </a:ext>
+            </a:extLst>
+          </p:cNvPr>
+          <p:cNvSpPr txBox="1"/>
+          <p:nvPr/>
+        </p:nvSpPr>
+        <p:spPr>
+          <a:xfrm>
+            <a:off x="4253719" y="647630"/>
+            <a:ext cx="1915909" cy="461665"/>
+          </a:xfrm>
+          <a:prstGeom prst="rect">
+            <a:avLst/>
+          </a:prstGeom>
+          <a:noFill/>
+        </p:spPr>
+        <p:txBody>
+          <a:bodyPr wrap="none" rtlCol="0">
+            <a:spAutoFit/>
+          </a:bodyPr>
+          <a:lstStyle/>
+          <a:p>
+            <a:r>
+              <a:rPr lang="ja-JP" altLang="en-US" sz="2400" b="1" dirty="0">
+                <a:solidFill>
+                  <a:srgbClr val="FF0000"/>
+                </a:solidFill>
+                <a:latin typeface="Georgia" panose="02040502050405020303" pitchFamily="18" charset="0"/>
+              </a:rPr>
+              <a:t>コネクタ：</a:t>
+            </a:r>
+            <a:r>
+              <a:rPr lang="en-US" altLang="ja-JP" sz="2400" b="1" dirty="0">
+                <a:solidFill>
+                  <a:srgbClr val="FF0000"/>
+                </a:solidFill>
+                <a:latin typeface="+mn-ea"/>
+              </a:rPr>
+              <a:t>4</a:t>
+            </a:r>
+            <a:endParaRPr kumimoji="1" lang="ja-JP" altLang="en-US" sz="2400" b="1" dirty="0">
+              <a:solidFill>
+                <a:srgbClr val="FF0000"/>
+              </a:solidFill>
+              <a:latin typeface="+mn-ea"/>
+            </a:endParaRPr>
+          </a:p>
+        </p:txBody>
+      </p:sp>
+      <p:cxnSp>
+        <p:nvCxnSpPr>
+          <p:cNvPr id="79" name="直線矢印コネクタ 78">
+            <a:extLst>
+              <a:ext uri="{FF2B5EF4-FFF2-40B4-BE49-F238E27FC236}">
+                <a16:creationId xmlns:a16="http://schemas.microsoft.com/office/drawing/2014/main" id="{F25B64DD-F105-4314-9557-CFD3D06B68D2}"/>
+              </a:ext>
+            </a:extLst>
+          </p:cNvPr>
+          <p:cNvCxnSpPr>
+            <a:cxnSpLocks/>
+          </p:cNvCxnSpPr>
+          <p:nvPr/>
+        </p:nvCxnSpPr>
+        <p:spPr>
+          <a:xfrm flipH="1">
+            <a:off x="5021161" y="1085859"/>
+            <a:ext cx="601101" cy="652281"/>
+          </a:xfrm>
+          <a:prstGeom prst="straightConnector1">
+            <a:avLst/>
+          </a:prstGeom>
+          <a:ln w="38100">
+            <a:solidFill>
+              <a:srgbClr val="FF0000"/>
+            </a:solidFill>
+            <a:tailEnd type="triangle"/>
+          </a:ln>
+        </p:spPr>
+        <p:style>
+          <a:lnRef idx="3">
+            <a:schemeClr val="dk1"/>
+          </a:lnRef>
+          <a:fillRef idx="0">
+            <a:schemeClr val="dk1"/>
+          </a:fillRef>
+          <a:effectRef idx="2">
+            <a:schemeClr val="dk1"/>
+          </a:effectRef>
+          <a:fontRef idx="minor">
+            <a:schemeClr val="tx1"/>
+          </a:fontRef>
+        </p:style>
+      </p:cxnSp>
+      <p:cxnSp>
+        <p:nvCxnSpPr>
+          <p:cNvPr id="82" name="直線矢印コネクタ 81">
+            <a:extLst>
+              <a:ext uri="{FF2B5EF4-FFF2-40B4-BE49-F238E27FC236}">
+                <a16:creationId xmlns:a16="http://schemas.microsoft.com/office/drawing/2014/main" id="{541E8D0E-966B-44A6-9448-F74BC881AD59}"/>
+              </a:ext>
+            </a:extLst>
+          </p:cNvPr>
+          <p:cNvCxnSpPr>
+            <a:cxnSpLocks/>
+          </p:cNvCxnSpPr>
+          <p:nvPr/>
+        </p:nvCxnSpPr>
+        <p:spPr>
+          <a:xfrm>
+            <a:off x="5857733" y="1011839"/>
+            <a:ext cx="387329" cy="280775"/>
+          </a:xfrm>
+          <a:prstGeom prst="straightConnector1">
+            <a:avLst/>
+          </a:prstGeom>
+          <a:ln w="38100">
+            <a:solidFill>
+              <a:srgbClr val="FF0000"/>
+            </a:solidFill>
+            <a:tailEnd type="triangle"/>
+          </a:ln>
+        </p:spPr>
+        <p:style>
+          <a:lnRef idx="3">
+            <a:schemeClr val="dk1"/>
+          </a:lnRef>
+          <a:fillRef idx="0">
+            <a:schemeClr val="dk1"/>
+          </a:fillRef>
+          <a:effectRef idx="2">
+            <a:schemeClr val="dk1"/>
+          </a:effectRef>
+          <a:fontRef idx="minor">
+            <a:schemeClr val="tx1"/>
+          </a:fontRef>
+        </p:style>
+      </p:cxnSp>
+      <p:sp>
+        <p:nvSpPr>
+          <p:cNvPr id="84" name="テキスト ボックス 83">
+            <a:extLst>
+              <a:ext uri="{FF2B5EF4-FFF2-40B4-BE49-F238E27FC236}">
+                <a16:creationId xmlns:a16="http://schemas.microsoft.com/office/drawing/2014/main" id="{1AB5F40C-E2C9-44C9-B809-491F31AB17EA}"/>
+              </a:ext>
+            </a:extLst>
+          </p:cNvPr>
+          <p:cNvSpPr txBox="1"/>
+          <p:nvPr/>
+        </p:nvSpPr>
+        <p:spPr>
+          <a:xfrm>
+            <a:off x="5092268" y="-2609"/>
+            <a:ext cx="2377574" cy="461665"/>
+          </a:xfrm>
+          <a:prstGeom prst="rect">
+            <a:avLst/>
+          </a:prstGeom>
+          <a:noFill/>
+        </p:spPr>
+        <p:txBody>
+          <a:bodyPr wrap="none" rtlCol="0">
+            <a:spAutoFit/>
+          </a:bodyPr>
+          <a:lstStyle/>
+          <a:p>
+            <a:r>
+              <a:rPr lang="en-US" altLang="ja-JP" sz="2400" b="1" dirty="0">
+                <a:solidFill>
+                  <a:srgbClr val="FF0000"/>
+                </a:solidFill>
+                <a:latin typeface="Georgia" panose="02040502050405020303" pitchFamily="18" charset="0"/>
+              </a:rPr>
+              <a:t>W</a:t>
+            </a:r>
+            <a:r>
+              <a:rPr lang="ja-JP" altLang="en-US" sz="2400" b="1" dirty="0">
+                <a:solidFill>
+                  <a:srgbClr val="FF0000"/>
+                </a:solidFill>
+                <a:latin typeface="Georgia" panose="02040502050405020303" pitchFamily="18" charset="0"/>
+              </a:rPr>
+              <a:t>端子側に白線</a:t>
+            </a:r>
+            <a:endParaRPr kumimoji="1" lang="ja-JP" altLang="en-US" sz="2400" b="1" dirty="0">
+              <a:solidFill>
+                <a:srgbClr val="FF0000"/>
+              </a:solidFill>
+              <a:latin typeface="+mn-ea"/>
+            </a:endParaRPr>
+          </a:p>
+        </p:txBody>
+      </p:sp>
+      <p:cxnSp>
+        <p:nvCxnSpPr>
+          <p:cNvPr id="85" name="直線矢印コネクタ 84">
+            <a:extLst>
+              <a:ext uri="{FF2B5EF4-FFF2-40B4-BE49-F238E27FC236}">
+                <a16:creationId xmlns:a16="http://schemas.microsoft.com/office/drawing/2014/main" id="{3730CE16-CB38-4DA7-BADD-11FF958B52E3}"/>
+              </a:ext>
+            </a:extLst>
+          </p:cNvPr>
+          <p:cNvCxnSpPr>
+            <a:cxnSpLocks/>
+          </p:cNvCxnSpPr>
+          <p:nvPr/>
+        </p:nvCxnSpPr>
+        <p:spPr>
+          <a:xfrm>
+            <a:off x="7038141" y="426448"/>
+            <a:ext cx="387329" cy="280775"/>
+          </a:xfrm>
+          <a:prstGeom prst="straightConnector1">
+            <a:avLst/>
+          </a:prstGeom>
+          <a:ln w="38100">
+            <a:solidFill>
+              <a:srgbClr val="FF0000"/>
+            </a:solidFill>
+            <a:tailEnd type="triangle"/>
+          </a:ln>
+        </p:spPr>
+        <p:style>
+          <a:lnRef idx="3">
+            <a:schemeClr val="dk1"/>
+          </a:lnRef>
+          <a:fillRef idx="0">
+            <a:schemeClr val="dk1"/>
+          </a:fillRef>
+          <a:effectRef idx="2">
+            <a:schemeClr val="dk1"/>
+          </a:effectRef>
+          <a:fontRef idx="minor">
+            <a:schemeClr val="tx1"/>
+          </a:fontRef>
+        </p:style>
+      </p:cxnSp>
+      <p:sp>
+        <p:nvSpPr>
+          <p:cNvPr id="87" name="テキスト ボックス 86">
+            <a:extLst>
+              <a:ext uri="{FF2B5EF4-FFF2-40B4-BE49-F238E27FC236}">
+                <a16:creationId xmlns:a16="http://schemas.microsoft.com/office/drawing/2014/main" id="{DC77FF41-4CB3-4A32-B35E-20FFD76C44F6}"/>
+              </a:ext>
+            </a:extLst>
+          </p:cNvPr>
+          <p:cNvSpPr txBox="1"/>
+          <p:nvPr/>
+        </p:nvSpPr>
+        <p:spPr>
+          <a:xfrm>
+            <a:off x="7020147" y="4265613"/>
+            <a:ext cx="2031325" cy="830997"/>
+          </a:xfrm>
+          <a:prstGeom prst="rect">
+            <a:avLst/>
+          </a:prstGeom>
+          <a:noFill/>
+        </p:spPr>
+        <p:txBody>
+          <a:bodyPr wrap="none" rtlCol="0">
+            <a:spAutoFit/>
+          </a:bodyPr>
+          <a:lstStyle/>
+          <a:p>
+            <a:r>
+              <a:rPr kumimoji="1" lang="ja-JP" altLang="en-US" sz="2400" b="1" dirty="0">
+                <a:solidFill>
+                  <a:srgbClr val="FF0000"/>
+                </a:solidFill>
+                <a:latin typeface="+mn-ea"/>
+              </a:rPr>
+              <a:t>受金ねじ部の</a:t>
+            </a:r>
+            <a:endParaRPr kumimoji="1" lang="en-US" altLang="ja-JP" sz="2400" b="1" dirty="0">
+              <a:solidFill>
+                <a:srgbClr val="FF0000"/>
+              </a:solidFill>
+              <a:latin typeface="+mn-ea"/>
+            </a:endParaRPr>
+          </a:p>
+          <a:p>
+            <a:r>
+              <a:rPr kumimoji="1" lang="ja-JP" altLang="en-US" sz="2400" b="1" dirty="0">
+                <a:solidFill>
+                  <a:srgbClr val="FF0000"/>
+                </a:solidFill>
+                <a:latin typeface="+mn-ea"/>
+              </a:rPr>
+              <a:t>端子に白線</a:t>
+            </a:r>
+          </a:p>
+        </p:txBody>
+      </p:sp>
+      <p:cxnSp>
+        <p:nvCxnSpPr>
+          <p:cNvPr id="100" name="直線矢印コネクタ 99">
+            <a:extLst>
+              <a:ext uri="{FF2B5EF4-FFF2-40B4-BE49-F238E27FC236}">
+                <a16:creationId xmlns:a16="http://schemas.microsoft.com/office/drawing/2014/main" id="{DFCB8830-22A3-443A-A64D-5A5B8D31473D}"/>
+              </a:ext>
+            </a:extLst>
+          </p:cNvPr>
+          <p:cNvCxnSpPr>
+            <a:cxnSpLocks/>
+          </p:cNvCxnSpPr>
+          <p:nvPr/>
+        </p:nvCxnSpPr>
+        <p:spPr>
+          <a:xfrm flipV="1">
+            <a:off x="8210764" y="3627131"/>
+            <a:ext cx="0" cy="638482"/>
+          </a:xfrm>
+          <a:prstGeom prst="straightConnector1">
+            <a:avLst/>
+          </a:prstGeom>
+          <a:ln w="38100">
+            <a:solidFill>
+              <a:srgbClr val="FF0000"/>
+            </a:solidFill>
+            <a:tailEnd type="triangle"/>
+          </a:ln>
+        </p:spPr>
+        <p:style>
+          <a:lnRef idx="3">
+            <a:schemeClr val="dk1"/>
+          </a:lnRef>
+          <a:fillRef idx="0">
+            <a:schemeClr val="dk1"/>
+          </a:fillRef>
+          <a:effectRef idx="2">
+            <a:schemeClr val="dk1"/>
+          </a:effectRef>
+          <a:fontRef idx="minor">
+            <a:schemeClr val="tx1"/>
+          </a:fontRef>
+        </p:style>
+      </p:cxnSp>
+      <p:sp>
+        <p:nvSpPr>
+          <p:cNvPr id="80" name="テキスト ボックス 68">
+            <a:extLst>
+              <a:ext uri="{FF2B5EF4-FFF2-40B4-BE49-F238E27FC236}">
+                <a16:creationId xmlns:a16="http://schemas.microsoft.com/office/drawing/2014/main" id="{8CFB64AF-B67A-4A45-8436-F0918934F8A2}"/>
+              </a:ext>
+            </a:extLst>
+          </p:cNvPr>
+          <p:cNvSpPr txBox="1"/>
+          <p:nvPr/>
+        </p:nvSpPr>
+        <p:spPr>
+          <a:xfrm>
+            <a:off x="1206583" y="423255"/>
+            <a:ext cx="2020105" cy="830997"/>
+          </a:xfrm>
+          <a:prstGeom prst="rect">
+            <a:avLst/>
+          </a:prstGeom>
+          <a:noFill/>
+        </p:spPr>
+        <p:txBody>
+          <a:bodyPr wrap="none" rtlCol="0">
+            <a:spAutoFit/>
+          </a:bodyPr>
+          <a:lstStyle>
+            <a:defPPr>
+              <a:defRPr lang="ja-JP"/>
+            </a:defPPr>
+            <a:lvl1pPr marL="0" algn="l" defTabSz="914400" rtl="0" eaLnBrk="1" latinLnBrk="0" hangingPunct="1">
+              <a:defRPr kumimoji="1" sz="1800" kern="1200">
+                <a:solidFill>
+                  <a:schemeClr val="tx1"/>
+                </a:solidFill>
+                <a:latin typeface="+mn-lt"/>
+                <a:ea typeface="+mn-ea"/>
+                <a:cs typeface="+mn-cs"/>
+              </a:defRPr>
+            </a:lvl1pPr>
+            <a:lvl2pPr marL="457200" algn="l" defTabSz="914400" rtl="0" eaLnBrk="1" latinLnBrk="0" hangingPunct="1">
+              <a:defRPr kumimoji="1" sz="1800" kern="1200">
+                <a:solidFill>
+                  <a:schemeClr val="tx1"/>
+                </a:solidFill>
+                <a:latin typeface="+mn-lt"/>
+                <a:ea typeface="+mn-ea"/>
+                <a:cs typeface="+mn-cs"/>
+              </a:defRPr>
+            </a:lvl2pPr>
+            <a:lvl3pPr marL="914400" algn="l" defTabSz="914400" rtl="0" eaLnBrk="1" latinLnBrk="0" hangingPunct="1">
+              <a:defRPr kumimoji="1" sz="1800" kern="1200">
+                <a:solidFill>
+                  <a:schemeClr val="tx1"/>
+                </a:solidFill>
+                <a:latin typeface="+mn-lt"/>
+                <a:ea typeface="+mn-ea"/>
+                <a:cs typeface="+mn-cs"/>
+              </a:defRPr>
+            </a:lvl3pPr>
+            <a:lvl4pPr marL="1371600" algn="l" defTabSz="914400" rtl="0" eaLnBrk="1" latinLnBrk="0" hangingPunct="1">
+              <a:defRPr kumimoji="1" sz="1800" kern="1200">
+                <a:solidFill>
+                  <a:schemeClr val="tx1"/>
+                </a:solidFill>
+                <a:latin typeface="+mn-lt"/>
+                <a:ea typeface="+mn-ea"/>
+                <a:cs typeface="+mn-cs"/>
+              </a:defRPr>
+            </a:lvl4pPr>
+            <a:lvl5pPr marL="1828800" algn="l" defTabSz="914400" rtl="0" eaLnBrk="1" latinLnBrk="0" hangingPunct="1">
+              <a:defRPr kumimoji="1" sz="1800" kern="1200">
+                <a:solidFill>
+                  <a:schemeClr val="tx1"/>
+                </a:solidFill>
+                <a:latin typeface="+mn-lt"/>
+                <a:ea typeface="+mn-ea"/>
+                <a:cs typeface="+mn-cs"/>
+              </a:defRPr>
+            </a:lvl5pPr>
+            <a:lvl6pPr marL="2286000" algn="l" defTabSz="914400" rtl="0" eaLnBrk="1" latinLnBrk="0" hangingPunct="1">
+              <a:defRPr kumimoji="1" sz="1800" kern="1200">
+                <a:solidFill>
+                  <a:schemeClr val="tx1"/>
+                </a:solidFill>
+                <a:latin typeface="+mn-lt"/>
+                <a:ea typeface="+mn-ea"/>
+                <a:cs typeface="+mn-cs"/>
+              </a:defRPr>
+            </a:lvl6pPr>
+            <a:lvl7pPr marL="2743200" algn="l" defTabSz="914400" rtl="0" eaLnBrk="1" latinLnBrk="0" hangingPunct="1">
+              <a:defRPr kumimoji="1" sz="1800" kern="1200">
+                <a:solidFill>
+                  <a:schemeClr val="tx1"/>
+                </a:solidFill>
+                <a:latin typeface="+mn-lt"/>
+                <a:ea typeface="+mn-ea"/>
+                <a:cs typeface="+mn-cs"/>
+              </a:defRPr>
+            </a:lvl7pPr>
+            <a:lvl8pPr marL="3200400" algn="l" defTabSz="914400" rtl="0" eaLnBrk="1" latinLnBrk="0" hangingPunct="1">
+              <a:defRPr kumimoji="1" sz="1800" kern="1200">
+                <a:solidFill>
+                  <a:schemeClr val="tx1"/>
+                </a:solidFill>
+                <a:latin typeface="+mn-lt"/>
+                <a:ea typeface="+mn-ea"/>
+                <a:cs typeface="+mn-cs"/>
+              </a:defRPr>
+            </a:lvl8pPr>
+            <a:lvl9pPr marL="3657600" algn="l" defTabSz="914400" rtl="0" eaLnBrk="1" latinLnBrk="0" hangingPunct="1">
+              <a:defRPr kumimoji="1" sz="1800" kern="1200">
+                <a:solidFill>
+                  <a:schemeClr val="tx1"/>
+                </a:solidFill>
+                <a:latin typeface="+mn-lt"/>
+                <a:ea typeface="+mn-ea"/>
+                <a:cs typeface="+mn-cs"/>
+              </a:defRPr>
+            </a:lvl9pPr>
+          </a:lstStyle>
+          <a:p>
+            <a:r>
+              <a:rPr kumimoji="1" lang="en-US" altLang="ja-JP" sz="2400" b="1" dirty="0">
+                <a:solidFill>
+                  <a:schemeClr val="accent6">
+                    <a:lumMod val="60000"/>
+                    <a:lumOff val="40000"/>
+                  </a:schemeClr>
+                </a:solidFill>
+                <a:latin typeface="+mn-ea"/>
+              </a:rPr>
+              <a:t>150+100</a:t>
+            </a:r>
+          </a:p>
+          <a:p>
+            <a:r>
+              <a:rPr lang="en-US" altLang="ja-JP" sz="2400" b="1">
+                <a:solidFill>
+                  <a:schemeClr val="accent6">
+                    <a:lumMod val="60000"/>
+                    <a:lumOff val="40000"/>
+                  </a:schemeClr>
+                </a:solidFill>
+                <a:latin typeface="+mn-ea"/>
+              </a:rPr>
+              <a:t>(VVR2.0-2C</a:t>
+            </a:r>
+            <a:r>
+              <a:rPr lang="en-US" altLang="ja-JP" sz="2400" b="1" dirty="0">
+                <a:solidFill>
+                  <a:schemeClr val="accent6">
+                    <a:lumMod val="60000"/>
+                    <a:lumOff val="40000"/>
+                  </a:schemeClr>
+                </a:solidFill>
+                <a:latin typeface="+mn-ea"/>
+              </a:rPr>
+              <a:t>)</a:t>
+            </a:r>
+            <a:endParaRPr kumimoji="1" lang="ja-JP" altLang="en-US" sz="2400" b="1" dirty="0">
+              <a:solidFill>
+                <a:schemeClr val="accent6">
+                  <a:lumMod val="60000"/>
+                  <a:lumOff val="40000"/>
+                </a:schemeClr>
+              </a:solidFill>
+              <a:latin typeface="+mn-ea"/>
+            </a:endParaRPr>
+          </a:p>
+        </p:txBody>
+      </p:sp>
+      <p:sp>
+        <p:nvSpPr>
+          <p:cNvPr id="81" name="テキスト ボックス 68">
+            <a:extLst>
+              <a:ext uri="{FF2B5EF4-FFF2-40B4-BE49-F238E27FC236}">
+                <a16:creationId xmlns:a16="http://schemas.microsoft.com/office/drawing/2014/main" id="{B34AED89-BFED-4B25-A0F6-D90E662D8BA7}"/>
+              </a:ext>
+            </a:extLst>
+          </p:cNvPr>
+          <p:cNvSpPr txBox="1"/>
+          <p:nvPr/>
+        </p:nvSpPr>
+        <p:spPr>
+          <a:xfrm>
+            <a:off x="1483072" y="2708952"/>
+            <a:ext cx="2053767" cy="830997"/>
+          </a:xfrm>
+          <a:prstGeom prst="rect">
+            <a:avLst/>
+          </a:prstGeom>
+          <a:noFill/>
+        </p:spPr>
+        <p:txBody>
+          <a:bodyPr wrap="none" rtlCol="0">
+            <a:spAutoFit/>
+          </a:bodyPr>
+          <a:lstStyle>
+            <a:defPPr>
+              <a:defRPr lang="ja-JP"/>
+            </a:defPPr>
+            <a:lvl1pPr marL="0" algn="l" defTabSz="914400" rtl="0" eaLnBrk="1" latinLnBrk="0" hangingPunct="1">
+              <a:defRPr kumimoji="1" sz="1800" kern="1200">
+                <a:solidFill>
+                  <a:schemeClr val="tx1"/>
+                </a:solidFill>
+                <a:latin typeface="+mn-lt"/>
+                <a:ea typeface="+mn-ea"/>
+                <a:cs typeface="+mn-cs"/>
+              </a:defRPr>
+            </a:lvl1pPr>
+            <a:lvl2pPr marL="457200" algn="l" defTabSz="914400" rtl="0" eaLnBrk="1" latinLnBrk="0" hangingPunct="1">
+              <a:defRPr kumimoji="1" sz="1800" kern="1200">
+                <a:solidFill>
+                  <a:schemeClr val="tx1"/>
+                </a:solidFill>
+                <a:latin typeface="+mn-lt"/>
+                <a:ea typeface="+mn-ea"/>
+                <a:cs typeface="+mn-cs"/>
+              </a:defRPr>
+            </a:lvl2pPr>
+            <a:lvl3pPr marL="914400" algn="l" defTabSz="914400" rtl="0" eaLnBrk="1" latinLnBrk="0" hangingPunct="1">
+              <a:defRPr kumimoji="1" sz="1800" kern="1200">
+                <a:solidFill>
+                  <a:schemeClr val="tx1"/>
+                </a:solidFill>
+                <a:latin typeface="+mn-lt"/>
+                <a:ea typeface="+mn-ea"/>
+                <a:cs typeface="+mn-cs"/>
+              </a:defRPr>
+            </a:lvl3pPr>
+            <a:lvl4pPr marL="1371600" algn="l" defTabSz="914400" rtl="0" eaLnBrk="1" latinLnBrk="0" hangingPunct="1">
+              <a:defRPr kumimoji="1" sz="1800" kern="1200">
+                <a:solidFill>
+                  <a:schemeClr val="tx1"/>
+                </a:solidFill>
+                <a:latin typeface="+mn-lt"/>
+                <a:ea typeface="+mn-ea"/>
+                <a:cs typeface="+mn-cs"/>
+              </a:defRPr>
+            </a:lvl4pPr>
+            <a:lvl5pPr marL="1828800" algn="l" defTabSz="914400" rtl="0" eaLnBrk="1" latinLnBrk="0" hangingPunct="1">
+              <a:defRPr kumimoji="1" sz="1800" kern="1200">
+                <a:solidFill>
+                  <a:schemeClr val="tx1"/>
+                </a:solidFill>
+                <a:latin typeface="+mn-lt"/>
+                <a:ea typeface="+mn-ea"/>
+                <a:cs typeface="+mn-cs"/>
+              </a:defRPr>
+            </a:lvl5pPr>
+            <a:lvl6pPr marL="2286000" algn="l" defTabSz="914400" rtl="0" eaLnBrk="1" latinLnBrk="0" hangingPunct="1">
+              <a:defRPr kumimoji="1" sz="1800" kern="1200">
+                <a:solidFill>
+                  <a:schemeClr val="tx1"/>
+                </a:solidFill>
+                <a:latin typeface="+mn-lt"/>
+                <a:ea typeface="+mn-ea"/>
+                <a:cs typeface="+mn-cs"/>
+              </a:defRPr>
+            </a:lvl6pPr>
+            <a:lvl7pPr marL="2743200" algn="l" defTabSz="914400" rtl="0" eaLnBrk="1" latinLnBrk="0" hangingPunct="1">
+              <a:defRPr kumimoji="1" sz="1800" kern="1200">
+                <a:solidFill>
+                  <a:schemeClr val="tx1"/>
+                </a:solidFill>
+                <a:latin typeface="+mn-lt"/>
+                <a:ea typeface="+mn-ea"/>
+                <a:cs typeface="+mn-cs"/>
+              </a:defRPr>
+            </a:lvl7pPr>
+            <a:lvl8pPr marL="3200400" algn="l" defTabSz="914400" rtl="0" eaLnBrk="1" latinLnBrk="0" hangingPunct="1">
+              <a:defRPr kumimoji="1" sz="1800" kern="1200">
+                <a:solidFill>
+                  <a:schemeClr val="tx1"/>
+                </a:solidFill>
+                <a:latin typeface="+mn-lt"/>
+                <a:ea typeface="+mn-ea"/>
+                <a:cs typeface="+mn-cs"/>
+              </a:defRPr>
+            </a:lvl8pPr>
+            <a:lvl9pPr marL="3657600" algn="l" defTabSz="914400" rtl="0" eaLnBrk="1" latinLnBrk="0" hangingPunct="1">
+              <a:defRPr kumimoji="1" sz="1800" kern="1200">
+                <a:solidFill>
+                  <a:schemeClr val="tx1"/>
+                </a:solidFill>
+                <a:latin typeface="+mn-lt"/>
+                <a:ea typeface="+mn-ea"/>
+                <a:cs typeface="+mn-cs"/>
+              </a:defRPr>
+            </a:lvl9pPr>
+          </a:lstStyle>
+          <a:p>
+            <a:r>
+              <a:rPr kumimoji="1" lang="en-US" altLang="ja-JP" sz="2400" b="1" dirty="0">
+                <a:solidFill>
+                  <a:schemeClr val="accent6">
+                    <a:lumMod val="60000"/>
+                    <a:lumOff val="40000"/>
+                  </a:schemeClr>
+                </a:solidFill>
+                <a:latin typeface="+mn-ea"/>
+              </a:rPr>
+              <a:t>50+200+100</a:t>
+            </a:r>
+          </a:p>
+          <a:p>
+            <a:r>
+              <a:rPr kumimoji="1" lang="en-US" altLang="ja-JP" sz="2400" b="1" dirty="0">
+                <a:solidFill>
+                  <a:schemeClr val="accent6">
+                    <a:lumMod val="60000"/>
+                    <a:lumOff val="40000"/>
+                  </a:schemeClr>
+                </a:solidFill>
+                <a:latin typeface="+mn-ea"/>
+              </a:rPr>
+              <a:t>×3</a:t>
+            </a:r>
+            <a:endParaRPr kumimoji="1" lang="ja-JP" altLang="en-US" sz="2400" b="1" dirty="0">
+              <a:solidFill>
+                <a:schemeClr val="accent6">
+                  <a:lumMod val="60000"/>
+                  <a:lumOff val="40000"/>
+                </a:schemeClr>
+              </a:solidFill>
+              <a:latin typeface="+mn-ea"/>
+            </a:endParaRPr>
+          </a:p>
+        </p:txBody>
+      </p:sp>
+      <p:cxnSp>
+        <p:nvCxnSpPr>
+          <p:cNvPr id="101" name="直線コネクタ 100">
+            <a:extLst>
+              <a:ext uri="{FF2B5EF4-FFF2-40B4-BE49-F238E27FC236}">
+                <a16:creationId xmlns:a16="http://schemas.microsoft.com/office/drawing/2014/main" id="{D1FDE28A-5D0C-46A1-A808-91AF41EA87FE}"/>
+              </a:ext>
+            </a:extLst>
+          </p:cNvPr>
+          <p:cNvCxnSpPr>
+            <a:cxnSpLocks/>
+          </p:cNvCxnSpPr>
+          <p:nvPr/>
+        </p:nvCxnSpPr>
+        <p:spPr>
+          <a:xfrm flipH="1">
+            <a:off x="5612362" y="5476081"/>
+            <a:ext cx="1543350" cy="41608"/>
+          </a:xfrm>
+          <a:prstGeom prst="line">
+            <a:avLst/>
+          </a:prstGeom>
+          <a:ln w="57150">
+            <a:solidFill>
+              <a:schemeClr val="bg2">
+                <a:lumMod val="50000"/>
+              </a:schemeClr>
+            </a:solidFill>
+            <a:prstDash val="sysDash"/>
+          </a:ln>
+        </p:spPr>
+        <p:style>
+          <a:lnRef idx="1">
+            <a:schemeClr val="accent1"/>
+          </a:lnRef>
+          <a:fillRef idx="0">
+            <a:schemeClr val="accent1"/>
+          </a:fillRef>
+          <a:effectRef idx="0">
+            <a:schemeClr val="accent1"/>
+          </a:effectRef>
+          <a:fontRef idx="minor">
+            <a:schemeClr val="tx1"/>
+          </a:fontRef>
+        </p:style>
+      </p:cxnSp>
+      <p:sp>
+        <p:nvSpPr>
+          <p:cNvPr id="102" name="テキスト ボックス 68">
+            <a:extLst>
+              <a:ext uri="{FF2B5EF4-FFF2-40B4-BE49-F238E27FC236}">
+                <a16:creationId xmlns:a16="http://schemas.microsoft.com/office/drawing/2014/main" id="{60FE23E8-4507-4EA6-ABBC-752496018125}"/>
+              </a:ext>
+            </a:extLst>
+          </p:cNvPr>
+          <p:cNvSpPr txBox="1"/>
+          <p:nvPr/>
+        </p:nvSpPr>
+        <p:spPr>
+          <a:xfrm>
+            <a:off x="6480533" y="5022313"/>
+            <a:ext cx="1471878" cy="461665"/>
+          </a:xfrm>
+          <a:prstGeom prst="rect">
+            <a:avLst/>
+          </a:prstGeom>
+          <a:noFill/>
+        </p:spPr>
+        <p:txBody>
+          <a:bodyPr wrap="none" rtlCol="0">
+            <a:spAutoFit/>
+          </a:bodyPr>
+          <a:lstStyle>
+            <a:defPPr>
+              <a:defRPr lang="ja-JP"/>
+            </a:defPPr>
+            <a:lvl1pPr marL="0" algn="l" defTabSz="914400" rtl="0" eaLnBrk="1" latinLnBrk="0" hangingPunct="1">
+              <a:defRPr kumimoji="1" sz="1800" kern="1200">
+                <a:solidFill>
+                  <a:schemeClr val="tx1"/>
+                </a:solidFill>
+                <a:latin typeface="+mn-lt"/>
+                <a:ea typeface="+mn-ea"/>
+                <a:cs typeface="+mn-cs"/>
+              </a:defRPr>
+            </a:lvl1pPr>
+            <a:lvl2pPr marL="457200" algn="l" defTabSz="914400" rtl="0" eaLnBrk="1" latinLnBrk="0" hangingPunct="1">
+              <a:defRPr kumimoji="1" sz="1800" kern="1200">
+                <a:solidFill>
+                  <a:schemeClr val="tx1"/>
+                </a:solidFill>
+                <a:latin typeface="+mn-lt"/>
+                <a:ea typeface="+mn-ea"/>
+                <a:cs typeface="+mn-cs"/>
+              </a:defRPr>
+            </a:lvl2pPr>
+            <a:lvl3pPr marL="914400" algn="l" defTabSz="914400" rtl="0" eaLnBrk="1" latinLnBrk="0" hangingPunct="1">
+              <a:defRPr kumimoji="1" sz="1800" kern="1200">
+                <a:solidFill>
+                  <a:schemeClr val="tx1"/>
+                </a:solidFill>
+                <a:latin typeface="+mn-lt"/>
+                <a:ea typeface="+mn-ea"/>
+                <a:cs typeface="+mn-cs"/>
+              </a:defRPr>
+            </a:lvl3pPr>
+            <a:lvl4pPr marL="1371600" algn="l" defTabSz="914400" rtl="0" eaLnBrk="1" latinLnBrk="0" hangingPunct="1">
+              <a:defRPr kumimoji="1" sz="1800" kern="1200">
+                <a:solidFill>
+                  <a:schemeClr val="tx1"/>
+                </a:solidFill>
+                <a:latin typeface="+mn-lt"/>
+                <a:ea typeface="+mn-ea"/>
+                <a:cs typeface="+mn-cs"/>
+              </a:defRPr>
+            </a:lvl4pPr>
+            <a:lvl5pPr marL="1828800" algn="l" defTabSz="914400" rtl="0" eaLnBrk="1" latinLnBrk="0" hangingPunct="1">
+              <a:defRPr kumimoji="1" sz="1800" kern="1200">
+                <a:solidFill>
+                  <a:schemeClr val="tx1"/>
+                </a:solidFill>
+                <a:latin typeface="+mn-lt"/>
+                <a:ea typeface="+mn-ea"/>
+                <a:cs typeface="+mn-cs"/>
+              </a:defRPr>
+            </a:lvl5pPr>
+            <a:lvl6pPr marL="2286000" algn="l" defTabSz="914400" rtl="0" eaLnBrk="1" latinLnBrk="0" hangingPunct="1">
+              <a:defRPr kumimoji="1" sz="1800" kern="1200">
+                <a:solidFill>
+                  <a:schemeClr val="tx1"/>
+                </a:solidFill>
+                <a:latin typeface="+mn-lt"/>
+                <a:ea typeface="+mn-ea"/>
+                <a:cs typeface="+mn-cs"/>
+              </a:defRPr>
+            </a:lvl6pPr>
+            <a:lvl7pPr marL="2743200" algn="l" defTabSz="914400" rtl="0" eaLnBrk="1" latinLnBrk="0" hangingPunct="1">
+              <a:defRPr kumimoji="1" sz="1800" kern="1200">
+                <a:solidFill>
+                  <a:schemeClr val="tx1"/>
+                </a:solidFill>
+                <a:latin typeface="+mn-lt"/>
+                <a:ea typeface="+mn-ea"/>
+                <a:cs typeface="+mn-cs"/>
+              </a:defRPr>
+            </a:lvl7pPr>
+            <a:lvl8pPr marL="3200400" algn="l" defTabSz="914400" rtl="0" eaLnBrk="1" latinLnBrk="0" hangingPunct="1">
+              <a:defRPr kumimoji="1" sz="1800" kern="1200">
+                <a:solidFill>
+                  <a:schemeClr val="tx1"/>
+                </a:solidFill>
+                <a:latin typeface="+mn-lt"/>
+                <a:ea typeface="+mn-ea"/>
+                <a:cs typeface="+mn-cs"/>
+              </a:defRPr>
+            </a:lvl8pPr>
+            <a:lvl9pPr marL="3657600" algn="l" defTabSz="914400" rtl="0" eaLnBrk="1" latinLnBrk="0" hangingPunct="1">
+              <a:defRPr kumimoji="1" sz="1800" kern="1200">
+                <a:solidFill>
+                  <a:schemeClr val="tx1"/>
+                </a:solidFill>
+                <a:latin typeface="+mn-lt"/>
+                <a:ea typeface="+mn-ea"/>
+                <a:cs typeface="+mn-cs"/>
+              </a:defRPr>
+            </a:lvl9pPr>
+          </a:lstStyle>
+          <a:p>
+            <a:r>
+              <a:rPr kumimoji="1" lang="en-US" altLang="ja-JP" sz="2400" b="1" dirty="0">
+                <a:solidFill>
+                  <a:schemeClr val="accent6">
+                    <a:lumMod val="60000"/>
+                    <a:lumOff val="40000"/>
+                  </a:schemeClr>
+                </a:solidFill>
+                <a:latin typeface="+mn-ea"/>
+              </a:rPr>
+              <a:t>100+150</a:t>
+            </a:r>
+            <a:endParaRPr kumimoji="1" lang="ja-JP" altLang="en-US" sz="2400" b="1" dirty="0">
+              <a:solidFill>
+                <a:schemeClr val="accent6">
+                  <a:lumMod val="60000"/>
+                  <a:lumOff val="40000"/>
+                </a:schemeClr>
+              </a:solidFill>
+              <a:latin typeface="+mn-ea"/>
+            </a:endParaRPr>
+          </a:p>
+        </p:txBody>
+      </p:sp>
+      <p:sp>
+        <p:nvSpPr>
+          <p:cNvPr id="103" name="テキスト ボックス 68">
+            <a:extLst>
+              <a:ext uri="{FF2B5EF4-FFF2-40B4-BE49-F238E27FC236}">
+                <a16:creationId xmlns:a16="http://schemas.microsoft.com/office/drawing/2014/main" id="{B35969EA-A12D-4352-83C7-DBE9DA1CC236}"/>
+              </a:ext>
+            </a:extLst>
+          </p:cNvPr>
+          <p:cNvSpPr txBox="1"/>
+          <p:nvPr/>
+        </p:nvSpPr>
+        <p:spPr>
+          <a:xfrm>
+            <a:off x="8216122" y="2476893"/>
+            <a:ext cx="2053767" cy="461665"/>
+          </a:xfrm>
+          <a:prstGeom prst="rect">
+            <a:avLst/>
+          </a:prstGeom>
+          <a:noFill/>
+        </p:spPr>
+        <p:txBody>
+          <a:bodyPr wrap="none" rtlCol="0">
+            <a:spAutoFit/>
+          </a:bodyPr>
+          <a:lstStyle>
+            <a:defPPr>
+              <a:defRPr lang="ja-JP"/>
+            </a:defPPr>
+            <a:lvl1pPr marL="0" algn="l" defTabSz="914400" rtl="0" eaLnBrk="1" latinLnBrk="0" hangingPunct="1">
+              <a:defRPr kumimoji="1" sz="1800" kern="1200">
+                <a:solidFill>
+                  <a:schemeClr val="tx1"/>
+                </a:solidFill>
+                <a:latin typeface="+mn-lt"/>
+                <a:ea typeface="+mn-ea"/>
+                <a:cs typeface="+mn-cs"/>
+              </a:defRPr>
+            </a:lvl1pPr>
+            <a:lvl2pPr marL="457200" algn="l" defTabSz="914400" rtl="0" eaLnBrk="1" latinLnBrk="0" hangingPunct="1">
+              <a:defRPr kumimoji="1" sz="1800" kern="1200">
+                <a:solidFill>
+                  <a:schemeClr val="tx1"/>
+                </a:solidFill>
+                <a:latin typeface="+mn-lt"/>
+                <a:ea typeface="+mn-ea"/>
+                <a:cs typeface="+mn-cs"/>
+              </a:defRPr>
+            </a:lvl2pPr>
+            <a:lvl3pPr marL="914400" algn="l" defTabSz="914400" rtl="0" eaLnBrk="1" latinLnBrk="0" hangingPunct="1">
+              <a:defRPr kumimoji="1" sz="1800" kern="1200">
+                <a:solidFill>
+                  <a:schemeClr val="tx1"/>
+                </a:solidFill>
+                <a:latin typeface="+mn-lt"/>
+                <a:ea typeface="+mn-ea"/>
+                <a:cs typeface="+mn-cs"/>
+              </a:defRPr>
+            </a:lvl3pPr>
+            <a:lvl4pPr marL="1371600" algn="l" defTabSz="914400" rtl="0" eaLnBrk="1" latinLnBrk="0" hangingPunct="1">
+              <a:defRPr kumimoji="1" sz="1800" kern="1200">
+                <a:solidFill>
+                  <a:schemeClr val="tx1"/>
+                </a:solidFill>
+                <a:latin typeface="+mn-lt"/>
+                <a:ea typeface="+mn-ea"/>
+                <a:cs typeface="+mn-cs"/>
+              </a:defRPr>
+            </a:lvl4pPr>
+            <a:lvl5pPr marL="1828800" algn="l" defTabSz="914400" rtl="0" eaLnBrk="1" latinLnBrk="0" hangingPunct="1">
+              <a:defRPr kumimoji="1" sz="1800" kern="1200">
+                <a:solidFill>
+                  <a:schemeClr val="tx1"/>
+                </a:solidFill>
+                <a:latin typeface="+mn-lt"/>
+                <a:ea typeface="+mn-ea"/>
+                <a:cs typeface="+mn-cs"/>
+              </a:defRPr>
+            </a:lvl5pPr>
+            <a:lvl6pPr marL="2286000" algn="l" defTabSz="914400" rtl="0" eaLnBrk="1" latinLnBrk="0" hangingPunct="1">
+              <a:defRPr kumimoji="1" sz="1800" kern="1200">
+                <a:solidFill>
+                  <a:schemeClr val="tx1"/>
+                </a:solidFill>
+                <a:latin typeface="+mn-lt"/>
+                <a:ea typeface="+mn-ea"/>
+                <a:cs typeface="+mn-cs"/>
+              </a:defRPr>
+            </a:lvl6pPr>
+            <a:lvl7pPr marL="2743200" algn="l" defTabSz="914400" rtl="0" eaLnBrk="1" latinLnBrk="0" hangingPunct="1">
+              <a:defRPr kumimoji="1" sz="1800" kern="1200">
+                <a:solidFill>
+                  <a:schemeClr val="tx1"/>
+                </a:solidFill>
+                <a:latin typeface="+mn-lt"/>
+                <a:ea typeface="+mn-ea"/>
+                <a:cs typeface="+mn-cs"/>
+              </a:defRPr>
+            </a:lvl7pPr>
+            <a:lvl8pPr marL="3200400" algn="l" defTabSz="914400" rtl="0" eaLnBrk="1" latinLnBrk="0" hangingPunct="1">
+              <a:defRPr kumimoji="1" sz="1800" kern="1200">
+                <a:solidFill>
+                  <a:schemeClr val="tx1"/>
+                </a:solidFill>
+                <a:latin typeface="+mn-lt"/>
+                <a:ea typeface="+mn-ea"/>
+                <a:cs typeface="+mn-cs"/>
+              </a:defRPr>
+            </a:lvl8pPr>
+            <a:lvl9pPr marL="3657600" algn="l" defTabSz="914400" rtl="0" eaLnBrk="1" latinLnBrk="0" hangingPunct="1">
+              <a:defRPr kumimoji="1" sz="1800" kern="1200">
+                <a:solidFill>
+                  <a:schemeClr val="tx1"/>
+                </a:solidFill>
+                <a:latin typeface="+mn-lt"/>
+                <a:ea typeface="+mn-ea"/>
+                <a:cs typeface="+mn-cs"/>
+              </a:defRPr>
+            </a:lvl9pPr>
+          </a:lstStyle>
+          <a:p>
+            <a:r>
+              <a:rPr lang="en-US" altLang="ja-JP" sz="2400" b="1" dirty="0">
+                <a:solidFill>
+                  <a:schemeClr val="accent6">
+                    <a:lumMod val="60000"/>
+                    <a:lumOff val="40000"/>
+                  </a:schemeClr>
+                </a:solidFill>
+                <a:latin typeface="+mn-ea"/>
+              </a:rPr>
+              <a:t>10</a:t>
+            </a:r>
+            <a:r>
+              <a:rPr kumimoji="1" lang="en-US" altLang="ja-JP" sz="2400" b="1" dirty="0">
+                <a:solidFill>
+                  <a:schemeClr val="accent6">
+                    <a:lumMod val="60000"/>
+                    <a:lumOff val="40000"/>
+                  </a:schemeClr>
+                </a:solidFill>
+                <a:latin typeface="+mn-ea"/>
+              </a:rPr>
+              <a:t>0+200+50</a:t>
+            </a:r>
+          </a:p>
+        </p:txBody>
+      </p:sp>
+      <p:sp>
+        <p:nvSpPr>
+          <p:cNvPr id="104" name="テキスト ボックス 68">
+            <a:extLst>
+              <a:ext uri="{FF2B5EF4-FFF2-40B4-BE49-F238E27FC236}">
+                <a16:creationId xmlns:a16="http://schemas.microsoft.com/office/drawing/2014/main" id="{9A710A4B-F163-4F8D-AE49-F15051F5AF9C}"/>
+              </a:ext>
+            </a:extLst>
+          </p:cNvPr>
+          <p:cNvSpPr txBox="1"/>
+          <p:nvPr/>
+        </p:nvSpPr>
+        <p:spPr>
+          <a:xfrm>
+            <a:off x="8194164" y="1109295"/>
+            <a:ext cx="2053767" cy="461665"/>
+          </a:xfrm>
+          <a:prstGeom prst="rect">
+            <a:avLst/>
+          </a:prstGeom>
+          <a:noFill/>
+        </p:spPr>
+        <p:txBody>
+          <a:bodyPr wrap="none" rtlCol="0">
+            <a:spAutoFit/>
+          </a:bodyPr>
+          <a:lstStyle>
+            <a:defPPr>
+              <a:defRPr lang="ja-JP"/>
+            </a:defPPr>
+            <a:lvl1pPr marL="0" algn="l" defTabSz="914400" rtl="0" eaLnBrk="1" latinLnBrk="0" hangingPunct="1">
+              <a:defRPr kumimoji="1" sz="1800" kern="1200">
+                <a:solidFill>
+                  <a:schemeClr val="tx1"/>
+                </a:solidFill>
+                <a:latin typeface="+mn-lt"/>
+                <a:ea typeface="+mn-ea"/>
+                <a:cs typeface="+mn-cs"/>
+              </a:defRPr>
+            </a:lvl1pPr>
+            <a:lvl2pPr marL="457200" algn="l" defTabSz="914400" rtl="0" eaLnBrk="1" latinLnBrk="0" hangingPunct="1">
+              <a:defRPr kumimoji="1" sz="1800" kern="1200">
+                <a:solidFill>
+                  <a:schemeClr val="tx1"/>
+                </a:solidFill>
+                <a:latin typeface="+mn-lt"/>
+                <a:ea typeface="+mn-ea"/>
+                <a:cs typeface="+mn-cs"/>
+              </a:defRPr>
+            </a:lvl2pPr>
+            <a:lvl3pPr marL="914400" algn="l" defTabSz="914400" rtl="0" eaLnBrk="1" latinLnBrk="0" hangingPunct="1">
+              <a:defRPr kumimoji="1" sz="1800" kern="1200">
+                <a:solidFill>
+                  <a:schemeClr val="tx1"/>
+                </a:solidFill>
+                <a:latin typeface="+mn-lt"/>
+                <a:ea typeface="+mn-ea"/>
+                <a:cs typeface="+mn-cs"/>
+              </a:defRPr>
+            </a:lvl3pPr>
+            <a:lvl4pPr marL="1371600" algn="l" defTabSz="914400" rtl="0" eaLnBrk="1" latinLnBrk="0" hangingPunct="1">
+              <a:defRPr kumimoji="1" sz="1800" kern="1200">
+                <a:solidFill>
+                  <a:schemeClr val="tx1"/>
+                </a:solidFill>
+                <a:latin typeface="+mn-lt"/>
+                <a:ea typeface="+mn-ea"/>
+                <a:cs typeface="+mn-cs"/>
+              </a:defRPr>
+            </a:lvl4pPr>
+            <a:lvl5pPr marL="1828800" algn="l" defTabSz="914400" rtl="0" eaLnBrk="1" latinLnBrk="0" hangingPunct="1">
+              <a:defRPr kumimoji="1" sz="1800" kern="1200">
+                <a:solidFill>
+                  <a:schemeClr val="tx1"/>
+                </a:solidFill>
+                <a:latin typeface="+mn-lt"/>
+                <a:ea typeface="+mn-ea"/>
+                <a:cs typeface="+mn-cs"/>
+              </a:defRPr>
+            </a:lvl5pPr>
+            <a:lvl6pPr marL="2286000" algn="l" defTabSz="914400" rtl="0" eaLnBrk="1" latinLnBrk="0" hangingPunct="1">
+              <a:defRPr kumimoji="1" sz="1800" kern="1200">
+                <a:solidFill>
+                  <a:schemeClr val="tx1"/>
+                </a:solidFill>
+                <a:latin typeface="+mn-lt"/>
+                <a:ea typeface="+mn-ea"/>
+                <a:cs typeface="+mn-cs"/>
+              </a:defRPr>
+            </a:lvl6pPr>
+            <a:lvl7pPr marL="2743200" algn="l" defTabSz="914400" rtl="0" eaLnBrk="1" latinLnBrk="0" hangingPunct="1">
+              <a:defRPr kumimoji="1" sz="1800" kern="1200">
+                <a:solidFill>
+                  <a:schemeClr val="tx1"/>
+                </a:solidFill>
+                <a:latin typeface="+mn-lt"/>
+                <a:ea typeface="+mn-ea"/>
+                <a:cs typeface="+mn-cs"/>
+              </a:defRPr>
+            </a:lvl7pPr>
+            <a:lvl8pPr marL="3200400" algn="l" defTabSz="914400" rtl="0" eaLnBrk="1" latinLnBrk="0" hangingPunct="1">
+              <a:defRPr kumimoji="1" sz="1800" kern="1200">
+                <a:solidFill>
+                  <a:schemeClr val="tx1"/>
+                </a:solidFill>
+                <a:latin typeface="+mn-lt"/>
+                <a:ea typeface="+mn-ea"/>
+                <a:cs typeface="+mn-cs"/>
+              </a:defRPr>
+            </a:lvl8pPr>
+            <a:lvl9pPr marL="3657600" algn="l" defTabSz="914400" rtl="0" eaLnBrk="1" latinLnBrk="0" hangingPunct="1">
+              <a:defRPr kumimoji="1" sz="1800" kern="1200">
+                <a:solidFill>
+                  <a:schemeClr val="tx1"/>
+                </a:solidFill>
+                <a:latin typeface="+mn-lt"/>
+                <a:ea typeface="+mn-ea"/>
+                <a:cs typeface="+mn-cs"/>
+              </a:defRPr>
+            </a:lvl9pPr>
+          </a:lstStyle>
+          <a:p>
+            <a:r>
+              <a:rPr lang="en-US" altLang="ja-JP" sz="2400" b="1" dirty="0">
+                <a:solidFill>
+                  <a:schemeClr val="accent6">
+                    <a:lumMod val="60000"/>
+                    <a:lumOff val="40000"/>
+                  </a:schemeClr>
+                </a:solidFill>
+                <a:latin typeface="+mn-ea"/>
+              </a:rPr>
+              <a:t>10</a:t>
+            </a:r>
+            <a:r>
+              <a:rPr kumimoji="1" lang="en-US" altLang="ja-JP" sz="2400" b="1" dirty="0">
+                <a:solidFill>
+                  <a:schemeClr val="accent6">
+                    <a:lumMod val="60000"/>
+                    <a:lumOff val="40000"/>
+                  </a:schemeClr>
+                </a:solidFill>
+                <a:latin typeface="+mn-ea"/>
+              </a:rPr>
+              <a:t>0+200+20</a:t>
+            </a:r>
+          </a:p>
+        </p:txBody>
+      </p:sp>
+    </p:spTree>
+    <p:extLst>
+      <p:ext uri="{BB962C8B-B14F-4D97-AF65-F5344CB8AC3E}">
+        <p14:creationId xmlns:p14="http://schemas.microsoft.com/office/powerpoint/2010/main" val="3744974704"/>
+      </p:ext>
+    </p:extLst>
+  </p:cSld>
+  <p:clrMapOvr>
+    <a:masterClrMapping/>
+  </p:clrMapOvr>
+</p:sld>
+</file>
+
+<file path=ppt/slides/slide7.xml><?xml version="1.0" encoding="utf-8"?>
+<p:sld xmlns:a="http://schemas.openxmlformats.org/drawingml/2006/main" xmlns:r="http://schemas.openxmlformats.org/officeDocument/2006/relationships" xmlns:p="http://schemas.openxmlformats.org/presentationml/2006/main">
+  <p:cSld>
+    <p:spTree>
+      <p:nvGrpSpPr>
+        <p:cNvPr id="1" name=""/>
+        <p:cNvGrpSpPr/>
+        <p:nvPr/>
+      </p:nvGrpSpPr>
+      <p:grpSpPr>
+        <a:xfrm>
+          <a:off x="0" y="0"/>
+          <a:ext cx="0" cy="0"/>
+          <a:chOff x="0" y="0"/>
+          <a:chExt cx="0" cy="0"/>
+        </a:xfrm>
+      </p:grpSpPr>
+      <p:sp>
+        <p:nvSpPr>
+          <p:cNvPr id="44" name="楕円 43">
+            <a:extLst>
+              <a:ext uri="{FF2B5EF4-FFF2-40B4-BE49-F238E27FC236}">
+                <a16:creationId xmlns:a16="http://schemas.microsoft.com/office/drawing/2014/main" id="{F928BFB5-9CA6-4D76-89C5-95229637D3F1}"/>
+              </a:ext>
+            </a:extLst>
+          </p:cNvPr>
+          <p:cNvSpPr/>
+          <p:nvPr/>
+        </p:nvSpPr>
+        <p:spPr>
+          <a:xfrm>
             <a:off x="4489097" y="452615"/>
             <a:ext cx="786798" cy="818707"/>
           </a:xfrm>
@@ -15575,7 +19511,7 @@
 </p:sld>
 </file>
 
-<file path=ppt/slides/slide7.xml><?xml version="1.0" encoding="utf-8"?>
+<file path=ppt/slides/slide8.xml><?xml version="1.0" encoding="utf-8"?>
 <p:sld xmlns:a="http://schemas.openxmlformats.org/drawingml/2006/main" xmlns:r="http://schemas.openxmlformats.org/officeDocument/2006/relationships" xmlns:p="http://schemas.openxmlformats.org/presentationml/2006/main">
   <p:cSld>
     <p:spTree>

--- a/algorithm/electricity/03_denki-koujishi/01_kakomon/R1_1/02_jitsugi/q08/a08.pptx
+++ b/algorithm/electricity/03_denki-koujishi/01_kakomon/R1_1/02_jitsugi/q08/a08.pptx
@@ -266,7 +266,7 @@
           <a:p>
             <a:fld id="{EA6D781E-2D27-4EF7-AFED-D0940E0D7738}" type="datetimeFigureOut">
               <a:rPr kumimoji="1" lang="ja-JP" altLang="en-US" smtClean="0"/>
-              <a:t>2020/11/23</a:t>
+              <a:t>2020/11/29</a:t>
             </a:fld>
             <a:endParaRPr kumimoji="1" lang="ja-JP" altLang="en-US"/>
           </a:p>
@@ -496,7 +496,7 @@
           <a:p>
             <a:fld id="{EA6D781E-2D27-4EF7-AFED-D0940E0D7738}" type="datetimeFigureOut">
               <a:rPr kumimoji="1" lang="ja-JP" altLang="en-US" smtClean="0"/>
-              <a:t>2020/11/23</a:t>
+              <a:t>2020/11/29</a:t>
             </a:fld>
             <a:endParaRPr kumimoji="1" lang="ja-JP" altLang="en-US"/>
           </a:p>
@@ -736,7 +736,7 @@
           <a:p>
             <a:fld id="{EA6D781E-2D27-4EF7-AFED-D0940E0D7738}" type="datetimeFigureOut">
               <a:rPr kumimoji="1" lang="ja-JP" altLang="en-US" smtClean="0"/>
-              <a:t>2020/11/23</a:t>
+              <a:t>2020/11/29</a:t>
             </a:fld>
             <a:endParaRPr kumimoji="1" lang="ja-JP" altLang="en-US"/>
           </a:p>
@@ -966,7 +966,7 @@
           <a:p>
             <a:fld id="{EA6D781E-2D27-4EF7-AFED-D0940E0D7738}" type="datetimeFigureOut">
               <a:rPr kumimoji="1" lang="ja-JP" altLang="en-US" smtClean="0"/>
-              <a:t>2020/11/23</a:t>
+              <a:t>2020/11/29</a:t>
             </a:fld>
             <a:endParaRPr kumimoji="1" lang="ja-JP" altLang="en-US"/>
           </a:p>
@@ -1241,7 +1241,7 @@
           <a:p>
             <a:fld id="{EA6D781E-2D27-4EF7-AFED-D0940E0D7738}" type="datetimeFigureOut">
               <a:rPr kumimoji="1" lang="ja-JP" altLang="en-US" smtClean="0"/>
-              <a:t>2020/11/23</a:t>
+              <a:t>2020/11/29</a:t>
             </a:fld>
             <a:endParaRPr kumimoji="1" lang="ja-JP" altLang="en-US"/>
           </a:p>
@@ -1570,7 +1570,7 @@
           <a:p>
             <a:fld id="{EA6D781E-2D27-4EF7-AFED-D0940E0D7738}" type="datetimeFigureOut">
               <a:rPr kumimoji="1" lang="ja-JP" altLang="en-US" smtClean="0"/>
-              <a:t>2020/11/23</a:t>
+              <a:t>2020/11/29</a:t>
             </a:fld>
             <a:endParaRPr kumimoji="1" lang="ja-JP" altLang="en-US"/>
           </a:p>
@@ -2046,7 +2046,7 @@
           <a:p>
             <a:fld id="{EA6D781E-2D27-4EF7-AFED-D0940E0D7738}" type="datetimeFigureOut">
               <a:rPr kumimoji="1" lang="ja-JP" altLang="en-US" smtClean="0"/>
-              <a:t>2020/11/23</a:t>
+              <a:t>2020/11/29</a:t>
             </a:fld>
             <a:endParaRPr kumimoji="1" lang="ja-JP" altLang="en-US"/>
           </a:p>
@@ -2187,7 +2187,7 @@
           <a:p>
             <a:fld id="{EA6D781E-2D27-4EF7-AFED-D0940E0D7738}" type="datetimeFigureOut">
               <a:rPr kumimoji="1" lang="ja-JP" altLang="en-US" smtClean="0"/>
-              <a:t>2020/11/23</a:t>
+              <a:t>2020/11/29</a:t>
             </a:fld>
             <a:endParaRPr kumimoji="1" lang="ja-JP" altLang="en-US"/>
           </a:p>
@@ -2300,7 +2300,7 @@
           <a:p>
             <a:fld id="{EA6D781E-2D27-4EF7-AFED-D0940E0D7738}" type="datetimeFigureOut">
               <a:rPr kumimoji="1" lang="ja-JP" altLang="en-US" smtClean="0"/>
-              <a:t>2020/11/23</a:t>
+              <a:t>2020/11/29</a:t>
             </a:fld>
             <a:endParaRPr kumimoji="1" lang="ja-JP" altLang="en-US"/>
           </a:p>
@@ -2643,7 +2643,7 @@
           <a:p>
             <a:fld id="{EA6D781E-2D27-4EF7-AFED-D0940E0D7738}" type="datetimeFigureOut">
               <a:rPr kumimoji="1" lang="ja-JP" altLang="en-US" smtClean="0"/>
-              <a:t>2020/11/23</a:t>
+              <a:t>2020/11/29</a:t>
             </a:fld>
             <a:endParaRPr kumimoji="1" lang="ja-JP" altLang="en-US"/>
           </a:p>
@@ -2931,7 +2931,7 @@
           <a:p>
             <a:fld id="{EA6D781E-2D27-4EF7-AFED-D0940E0D7738}" type="datetimeFigureOut">
               <a:rPr kumimoji="1" lang="ja-JP" altLang="en-US" smtClean="0"/>
-              <a:t>2020/11/23</a:t>
+              <a:t>2020/11/29</a:t>
             </a:fld>
             <a:endParaRPr kumimoji="1" lang="ja-JP" altLang="en-US"/>
           </a:p>
@@ -3204,7 +3204,7 @@
           <a:p>
             <a:fld id="{EA6D781E-2D27-4EF7-AFED-D0940E0D7738}" type="datetimeFigureOut">
               <a:rPr kumimoji="1" lang="ja-JP" altLang="en-US" smtClean="0"/>
-              <a:t>2020/11/23</a:t>
+              <a:t>2020/11/29</a:t>
             </a:fld>
             <a:endParaRPr kumimoji="1" lang="ja-JP" altLang="en-US"/>
           </a:p>
@@ -17185,22 +17185,10 @@
                 </a:solidFill>
                 <a:latin typeface="+mn-ea"/>
               </a:rPr>
-              <a:t>150+100</a:t>
-            </a:r>
-          </a:p>
-          <a:p>
-            <a:r>
-              <a:rPr lang="en-US" altLang="ja-JP" sz="2400" b="1">
-                <a:solidFill>
-                  <a:schemeClr val="accent6">
-                    <a:lumMod val="60000"/>
-                    <a:lumOff val="40000"/>
-                  </a:schemeClr>
-                </a:solidFill>
-                <a:latin typeface="+mn-ea"/>
-              </a:rPr>
-              <a:t>(VVR2.0-2C</a:t>
-            </a:r>
+              <a:t>200+100</a:t>
+            </a:r>
+          </a:p>
+          <a:p>
             <a:r>
               <a:rPr lang="en-US" altLang="ja-JP" sz="2400" b="1" dirty="0">
                 <a:solidFill>
@@ -17211,7 +17199,7 @@
                 </a:solidFill>
                 <a:latin typeface="+mn-ea"/>
               </a:rPr>
-              <a:t>)</a:t>
+              <a:t>(VVR2.0-2C)</a:t>
             </a:r>
             <a:endParaRPr kumimoji="1" lang="ja-JP" altLang="en-US" sz="2400" b="1" dirty="0">
               <a:solidFill>
@@ -17357,7 +17345,7 @@
                 </a:solidFill>
                 <a:latin typeface="+mn-ea"/>
               </a:rPr>
-              <a:t>50+200+100</a:t>
+              <a:t>50+250+100</a:t>
             </a:r>
           </a:p>
           <a:p>
@@ -17721,7 +17709,7 @@
                 </a:solidFill>
                 <a:latin typeface="+mn-ea"/>
               </a:rPr>
-              <a:t>0+200+50</a:t>
+              <a:t>0+250+50</a:t>
             </a:r>
           </a:p>
         </p:txBody>
@@ -17870,7 +17858,7 @@
                 </a:solidFill>
                 <a:latin typeface="+mn-ea"/>
               </a:rPr>
-              <a:t>0+200+20</a:t>
+              <a:t>0+250+20</a:t>
             </a:r>
           </a:p>
         </p:txBody>
